--- a/Presentacion/Design_Thinking.pptx
+++ b/Presentacion/Design_Thinking.pptx
@@ -17,10 +17,11 @@
     <p:sldId id="258" r:id="rId11"/>
     <p:sldId id="270" r:id="rId12"/>
     <p:sldId id="272" r:id="rId13"/>
-    <p:sldId id="271" r:id="rId14"/>
-    <p:sldId id="259" r:id="rId15"/>
-    <p:sldId id="260" r:id="rId16"/>
-    <p:sldId id="261" r:id="rId17"/>
+    <p:sldId id="259" r:id="rId14"/>
+    <p:sldId id="260" r:id="rId15"/>
+    <p:sldId id="273" r:id="rId16"/>
+    <p:sldId id="274" r:id="rId17"/>
+    <p:sldId id="261" r:id="rId18"/>
   </p:sldIdLst>
   <p:sldSz cx="12192000" cy="6858000"/>
   <p:notesSz cx="6858000" cy="9144000"/>
@@ -3558,41 +3559,81 @@
         </p:nvSpPr>
         <p:spPr/>
         <p:txBody>
-          <a:bodyPr/>
-          <a:lstStyle/>
-          <a:p>
-            <a:r>
-              <a:rPr lang="es-ES" dirty="0"/>
-              <a:t>Se realizo un </a:t>
-            </a:r>
-            <a:r>
-              <a:rPr lang="es-ES" dirty="0" err="1"/>
+          <a:bodyPr>
+            <a:normAutofit/>
+          </a:bodyPr>
+          <a:lstStyle/>
+          <a:p>
+            <a:pPr algn="just"/>
+            <a:r>
+              <a:rPr lang="es-ES" sz="1800" dirty="0">
+                <a:latin typeface="Arial" panose="020B0604020202020204" pitchFamily="34" charset="0"/>
+                <a:cs typeface="Arial" panose="020B0604020202020204" pitchFamily="34" charset="0"/>
+              </a:rPr>
+              <a:t>Se realizó un </a:t>
+            </a:r>
+            <a:r>
+              <a:rPr lang="es-ES" sz="1800" dirty="0" err="1">
+                <a:latin typeface="Arial" panose="020B0604020202020204" pitchFamily="34" charset="0"/>
+                <a:cs typeface="Arial" panose="020B0604020202020204" pitchFamily="34" charset="0"/>
+              </a:rPr>
               <a:t>focus</a:t>
             </a:r>
             <a:r>
-              <a:rPr lang="es-ES" dirty="0"/>
+              <a:rPr lang="es-ES" sz="1800" dirty="0">
+                <a:latin typeface="Arial" panose="020B0604020202020204" pitchFamily="34" charset="0"/>
+                <a:cs typeface="Arial" panose="020B0604020202020204" pitchFamily="34" charset="0"/>
+              </a:rPr>
               <a:t> </a:t>
             </a:r>
             <a:r>
-              <a:rPr lang="es-ES" dirty="0" err="1"/>
+              <a:rPr lang="es-ES" sz="1800" dirty="0" err="1">
+                <a:latin typeface="Arial" panose="020B0604020202020204" pitchFamily="34" charset="0"/>
+                <a:cs typeface="Arial" panose="020B0604020202020204" pitchFamily="34" charset="0"/>
+              </a:rPr>
               <a:t>group</a:t>
             </a:r>
             <a:r>
-              <a:rPr lang="es-ES" dirty="0"/>
+              <a:rPr lang="es-ES" sz="1800" dirty="0">
+                <a:latin typeface="Arial" panose="020B0604020202020204" pitchFamily="34" charset="0"/>
+                <a:cs typeface="Arial" panose="020B0604020202020204" pitchFamily="34" charset="0"/>
+              </a:rPr>
               <a:t> con el fin de identificar opiniones, hábitos y necesidades de nuestro cliente.</a:t>
             </a:r>
           </a:p>
           <a:p>
-            <a:r>
-              <a:rPr lang="es-ES" dirty="0"/>
+            <a:pPr algn="just"/>
+            <a:r>
+              <a:rPr lang="es-ES" sz="1800" dirty="0">
+                <a:latin typeface="Arial" panose="020B0604020202020204" pitchFamily="34" charset="0"/>
+                <a:cs typeface="Arial" panose="020B0604020202020204" pitchFamily="34" charset="0"/>
+              </a:rPr>
               <a:t>Para ello nos reunimos y profundizamos la problemática que se presenta en las encuestas, comparándola con el caso indicado en las bases técnicas de la Hackathon 2022.</a:t>
             </a:r>
           </a:p>
           <a:p>
-            <a:endParaRPr lang="es-ES" dirty="0"/>
-          </a:p>
-          <a:p>
-            <a:endParaRPr lang="es-CL" dirty="0"/>
+            <a:pPr algn="just"/>
+            <a:endParaRPr lang="es-ES" sz="1800" dirty="0">
+              <a:latin typeface="Arial" panose="020B0604020202020204" pitchFamily="34" charset="0"/>
+              <a:cs typeface="Arial" panose="020B0604020202020204" pitchFamily="34" charset="0"/>
+            </a:endParaRPr>
+          </a:p>
+          <a:p>
+            <a:pPr lvl="1" algn="just"/>
+            <a:r>
+              <a:rPr lang="es-ES" sz="1600" dirty="0">
+                <a:latin typeface="Arial" panose="020B0604020202020204" pitchFamily="34" charset="0"/>
+                <a:cs typeface="Arial" panose="020B0604020202020204" pitchFamily="34" charset="0"/>
+              </a:rPr>
+              <a:t>El objetivo de nuestro proyecto será defender a nuestro cliente ante cualquier tipo de abuso físico y/o psicológico, protegiendo la privacidad e integridad del mismo.</a:t>
+            </a:r>
+          </a:p>
+          <a:p>
+            <a:pPr algn="just"/>
+            <a:endParaRPr lang="es-CL" sz="1800" dirty="0">
+              <a:latin typeface="Arial" panose="020B0604020202020204" pitchFamily="34" charset="0"/>
+              <a:cs typeface="Arial" panose="020B0604020202020204" pitchFamily="34" charset="0"/>
+            </a:endParaRPr>
           </a:p>
         </p:txBody>
       </p:sp>
@@ -3671,51 +3712,181 @@
             <p:ph idx="1"/>
           </p:nvPr>
         </p:nvSpPr>
-        <p:spPr/>
+        <p:spPr>
+          <a:xfrm>
+            <a:off x="3851553" y="0"/>
+            <a:ext cx="7315200" cy="4380741"/>
+          </a:xfrm>
+        </p:spPr>
         <p:txBody>
           <a:bodyPr/>
           <a:lstStyle/>
           <a:p>
-            <a:r>
-              <a:rPr lang="es-ES" dirty="0"/>
+            <a:pPr algn="just"/>
+            <a:r>
+              <a:rPr lang="es-ES" dirty="0">
+                <a:latin typeface="Arial" panose="020B0604020202020204" pitchFamily="34" charset="0"/>
+                <a:cs typeface="Arial" panose="020B0604020202020204" pitchFamily="34" charset="0"/>
+              </a:rPr>
               <a:t>Análisis Paralelo</a:t>
             </a:r>
           </a:p>
           <a:p>
-            <a:endParaRPr lang="es-ES" dirty="0"/>
-          </a:p>
-          <a:p>
-            <a:pPr lvl="1"/>
-            <a:r>
-              <a:rPr lang="es-ES" dirty="0"/>
-              <a:t>Hemos realizado un análisis del mercado actual sobre la temática </a:t>
-            </a:r>
-            <a:r>
-              <a:rPr lang="es-ES" dirty="0" err="1"/>
-              <a:t>dispu</a:t>
-            </a:r>
-            <a:endParaRPr lang="es-ES" dirty="0"/>
-          </a:p>
-          <a:p>
-            <a:pPr lvl="1"/>
-            <a:endParaRPr lang="es-ES" dirty="0"/>
-          </a:p>
-          <a:p>
-            <a:pPr lvl="1"/>
-            <a:endParaRPr lang="es-ES" dirty="0"/>
-          </a:p>
-          <a:p>
-            <a:pPr lvl="1"/>
-            <a:endParaRPr lang="es-ES" dirty="0"/>
-          </a:p>
-          <a:p>
-            <a:endParaRPr lang="es-ES" dirty="0"/>
-          </a:p>
-          <a:p>
-            <a:endParaRPr lang="es-CL" dirty="0"/>
-          </a:p>
-        </p:txBody>
-      </p:sp>
+            <a:pPr algn="just"/>
+            <a:endParaRPr lang="es-ES" dirty="0">
+              <a:latin typeface="Arial" panose="020B0604020202020204" pitchFamily="34" charset="0"/>
+              <a:cs typeface="Arial" panose="020B0604020202020204" pitchFamily="34" charset="0"/>
+            </a:endParaRPr>
+          </a:p>
+          <a:p>
+            <a:pPr lvl="1" algn="just"/>
+            <a:r>
+              <a:rPr lang="es-ES" dirty="0">
+                <a:latin typeface="Arial" panose="020B0604020202020204" pitchFamily="34" charset="0"/>
+                <a:cs typeface="Arial" panose="020B0604020202020204" pitchFamily="34" charset="0"/>
+              </a:rPr>
+              <a:t>Hemos realizado un análisis del mercado actual sobre la temática disputada, obteniendo los siguientes resultados:</a:t>
+            </a:r>
+          </a:p>
+          <a:p>
+            <a:pPr lvl="2" algn="just"/>
+            <a:r>
+              <a:rPr lang="es-ES" dirty="0">
+                <a:latin typeface="Arial" panose="020B0604020202020204" pitchFamily="34" charset="0"/>
+                <a:cs typeface="Arial" panose="020B0604020202020204" pitchFamily="34" charset="0"/>
+              </a:rPr>
+              <a:t>Mercado Actual: </a:t>
+            </a:r>
+          </a:p>
+          <a:p>
+            <a:pPr lvl="3" algn="just">
+              <a:buFont typeface="Wingdings" panose="05000000000000000000" pitchFamily="2" charset="2"/>
+              <a:buChar char="v"/>
+            </a:pPr>
+            <a:r>
+              <a:rPr lang="es-ES" dirty="0">
+                <a:latin typeface="Arial" panose="020B0604020202020204" pitchFamily="34" charset="0"/>
+                <a:cs typeface="Arial" panose="020B0604020202020204" pitchFamily="34" charset="0"/>
+              </a:rPr>
+              <a:t>Alarma de bolsillo: Bajo Costo – Calidad media baja – Accesible</a:t>
+            </a:r>
+          </a:p>
+          <a:p>
+            <a:pPr lvl="3" algn="just">
+              <a:buFont typeface="Wingdings" panose="05000000000000000000" pitchFamily="2" charset="2"/>
+              <a:buChar char="v"/>
+            </a:pPr>
+            <a:r>
+              <a:rPr lang="es-ES" dirty="0">
+                <a:latin typeface="Arial" panose="020B0604020202020204" pitchFamily="34" charset="0"/>
+                <a:cs typeface="Arial" panose="020B0604020202020204" pitchFamily="34" charset="0"/>
+              </a:rPr>
+              <a:t>Alarmas Comunitarias: Alto Costo – Calidad media/alta – Baja Accesibilidad</a:t>
+            </a:r>
+          </a:p>
+          <a:p>
+            <a:pPr lvl="3" algn="just">
+              <a:buFont typeface="Wingdings" panose="05000000000000000000" pitchFamily="2" charset="2"/>
+              <a:buChar char="v"/>
+            </a:pPr>
+            <a:r>
+              <a:rPr lang="es-ES" dirty="0">
+                <a:latin typeface="Arial" panose="020B0604020202020204" pitchFamily="34" charset="0"/>
+                <a:cs typeface="Arial" panose="020B0604020202020204" pitchFamily="34" charset="0"/>
+              </a:rPr>
+              <a:t>APP ELLES: Nulo Costo – Calidad Alta – Accesible </a:t>
+            </a:r>
+          </a:p>
+        </p:txBody>
+      </p:sp>
+      <p:pic>
+        <p:nvPicPr>
+          <p:cNvPr id="5" name="Imagen 4">
+            <a:extLst>
+              <a:ext uri="{FF2B5EF4-FFF2-40B4-BE49-F238E27FC236}">
+                <a16:creationId xmlns:a16="http://schemas.microsoft.com/office/drawing/2014/main" id="{FFA09F35-3C93-44BB-9180-26F81B0AE162}"/>
+              </a:ext>
+            </a:extLst>
+          </p:cNvPr>
+          <p:cNvPicPr>
+            <a:picLocks noChangeAspect="1"/>
+          </p:cNvPicPr>
+          <p:nvPr/>
+        </p:nvPicPr>
+        <p:blipFill>
+          <a:blip r:embed="rId2"/>
+          <a:stretch>
+            <a:fillRect/>
+          </a:stretch>
+        </p:blipFill>
+        <p:spPr>
+          <a:xfrm rot="13800018">
+            <a:off x="10083016" y="4130388"/>
+            <a:ext cx="766094" cy="2015415"/>
+          </a:xfrm>
+          <a:prstGeom prst="rect">
+            <a:avLst/>
+          </a:prstGeom>
+        </p:spPr>
+      </p:pic>
+      <p:pic>
+        <p:nvPicPr>
+          <p:cNvPr id="6" name="Imagen 5">
+            <a:extLst>
+              <a:ext uri="{FF2B5EF4-FFF2-40B4-BE49-F238E27FC236}">
+                <a16:creationId xmlns:a16="http://schemas.microsoft.com/office/drawing/2014/main" id="{127FF62D-57A9-424E-9132-C09A3BA4950C}"/>
+              </a:ext>
+            </a:extLst>
+          </p:cNvPr>
+          <p:cNvPicPr>
+            <a:picLocks noChangeAspect="1"/>
+          </p:cNvPicPr>
+          <p:nvPr/>
+        </p:nvPicPr>
+        <p:blipFill rotWithShape="1">
+          <a:blip r:embed="rId3"/>
+          <a:srcRect l="22610"/>
+          <a:stretch/>
+        </p:blipFill>
+        <p:spPr>
+          <a:xfrm>
+            <a:off x="7212232" y="4167006"/>
+            <a:ext cx="1602265" cy="1712175"/>
+          </a:xfrm>
+          <a:prstGeom prst="rect">
+            <a:avLst/>
+          </a:prstGeom>
+        </p:spPr>
+      </p:pic>
+      <p:pic>
+        <p:nvPicPr>
+          <p:cNvPr id="7" name="Imagen 6">
+            <a:extLst>
+              <a:ext uri="{FF2B5EF4-FFF2-40B4-BE49-F238E27FC236}">
+                <a16:creationId xmlns:a16="http://schemas.microsoft.com/office/drawing/2014/main" id="{EF0C0BD7-39AB-48C3-8399-1BEA48D2197F}"/>
+              </a:ext>
+            </a:extLst>
+          </p:cNvPr>
+          <p:cNvPicPr>
+            <a:picLocks noChangeAspect="1"/>
+          </p:cNvPicPr>
+          <p:nvPr/>
+        </p:nvPicPr>
+        <p:blipFill rotWithShape="1">
+          <a:blip r:embed="rId4"/>
+          <a:srcRect b="23109"/>
+          <a:stretch/>
+        </p:blipFill>
+        <p:spPr>
+          <a:xfrm>
+            <a:off x="4500241" y="4044045"/>
+            <a:ext cx="1412151" cy="1871317"/>
+          </a:xfrm>
+          <a:prstGeom prst="rect">
+            <a:avLst/>
+          </a:prstGeom>
+        </p:spPr>
+      </p:pic>
     </p:spTree>
     <p:extLst>
       <p:ext uri="{BB962C8B-B14F-4D97-AF65-F5344CB8AC3E}">
@@ -3775,40 +3946,36 @@
           </a:p>
         </p:txBody>
       </p:sp>
-      <p:sp>
-        <p:nvSpPr>
-          <p:cNvPr id="3" name="Marcador de contenido 2">
+      <p:pic>
+        <p:nvPicPr>
+          <p:cNvPr id="7" name="Imagen 6">
             <a:extLst>
               <a:ext uri="{FF2B5EF4-FFF2-40B4-BE49-F238E27FC236}">
-                <a16:creationId xmlns:a16="http://schemas.microsoft.com/office/drawing/2014/main" id="{88FB0088-C4FD-48BE-9772-F17F2B75748B}"/>
+                <a16:creationId xmlns:a16="http://schemas.microsoft.com/office/drawing/2014/main" id="{8F2DC3C5-A2D7-457C-963B-E6DA731C730F}"/>
               </a:ext>
             </a:extLst>
           </p:cNvPr>
-          <p:cNvSpPr>
-            <a:spLocks noGrp="1"/>
-          </p:cNvSpPr>
-          <p:nvPr>
-            <p:ph idx="1"/>
-          </p:nvPr>
-        </p:nvSpPr>
-        <p:spPr/>
-        <p:txBody>
-          <a:bodyPr/>
-          <a:lstStyle/>
-          <a:p>
-            <a:r>
-              <a:rPr lang="es-ES" dirty="0"/>
-              <a:t>a</a:t>
-            </a:r>
-          </a:p>
-          <a:p>
-            <a:endParaRPr lang="es-ES" dirty="0"/>
-          </a:p>
-          <a:p>
-            <a:endParaRPr lang="es-CL" dirty="0"/>
-          </a:p>
-        </p:txBody>
-      </p:sp>
+          <p:cNvPicPr>
+            <a:picLocks noChangeAspect="1"/>
+          </p:cNvPicPr>
+          <p:nvPr/>
+        </p:nvPicPr>
+        <p:blipFill>
+          <a:blip r:embed="rId2"/>
+          <a:stretch>
+            <a:fillRect/>
+          </a:stretch>
+        </p:blipFill>
+        <p:spPr>
+          <a:xfrm>
+            <a:off x="3761500" y="1123837"/>
+            <a:ext cx="7682057" cy="4145872"/>
+          </a:xfrm>
+          <a:prstGeom prst="rect">
+            <a:avLst/>
+          </a:prstGeom>
+        </p:spPr>
+      </p:pic>
     </p:spTree>
     <p:extLst>
       <p:ext uri="{BB962C8B-B14F-4D97-AF65-F5344CB8AC3E}">
@@ -3844,99 +4011,6 @@
           <p:cNvPr id="2" name="Título 1">
             <a:extLst>
               <a:ext uri="{FF2B5EF4-FFF2-40B4-BE49-F238E27FC236}">
-                <a16:creationId xmlns:a16="http://schemas.microsoft.com/office/drawing/2014/main" id="{8B6FE3A5-4040-4AD0-B6A9-385A8F2CFF92}"/>
-              </a:ext>
-            </a:extLst>
-          </p:cNvPr>
-          <p:cNvSpPr>
-            <a:spLocks noGrp="1"/>
-          </p:cNvSpPr>
-          <p:nvPr>
-            <p:ph type="title"/>
-          </p:nvPr>
-        </p:nvSpPr>
-        <p:spPr/>
-        <p:txBody>
-          <a:bodyPr/>
-          <a:lstStyle/>
-          <a:p>
-            <a:r>
-              <a:rPr lang="es-ES" dirty="0"/>
-              <a:t>DEFINICION</a:t>
-            </a:r>
-            <a:endParaRPr lang="es-CL" dirty="0"/>
-          </a:p>
-        </p:txBody>
-      </p:sp>
-      <p:sp>
-        <p:nvSpPr>
-          <p:cNvPr id="3" name="Marcador de contenido 2">
-            <a:extLst>
-              <a:ext uri="{FF2B5EF4-FFF2-40B4-BE49-F238E27FC236}">
-                <a16:creationId xmlns:a16="http://schemas.microsoft.com/office/drawing/2014/main" id="{88FB0088-C4FD-48BE-9772-F17F2B75748B}"/>
-              </a:ext>
-            </a:extLst>
-          </p:cNvPr>
-          <p:cNvSpPr>
-            <a:spLocks noGrp="1"/>
-          </p:cNvSpPr>
-          <p:nvPr>
-            <p:ph idx="1"/>
-          </p:nvPr>
-        </p:nvSpPr>
-        <p:spPr/>
-        <p:txBody>
-          <a:bodyPr/>
-          <a:lstStyle/>
-          <a:p>
-            <a:r>
-              <a:rPr lang="es-ES" dirty="0"/>
-              <a:t>a</a:t>
-            </a:r>
-          </a:p>
-          <a:p>
-            <a:endParaRPr lang="es-ES" dirty="0"/>
-          </a:p>
-          <a:p>
-            <a:endParaRPr lang="es-CL" dirty="0"/>
-          </a:p>
-        </p:txBody>
-      </p:sp>
-    </p:spTree>
-    <p:extLst>
-      <p:ext uri="{BB962C8B-B14F-4D97-AF65-F5344CB8AC3E}">
-        <p14:creationId xmlns:p14="http://schemas.microsoft.com/office/powerpoint/2010/main" val="68793168"/>
-      </p:ext>
-    </p:extLst>
-  </p:cSld>
-  <p:clrMapOvr>
-    <a:masterClrMapping/>
-  </p:clrMapOvr>
-</p:sld>
-</file>
-
-<file path=ppt/slides/slide14.xml><?xml version="1.0" encoding="utf-8"?>
-<p:sld xmlns:a="http://schemas.openxmlformats.org/drawingml/2006/main" xmlns:r="http://schemas.openxmlformats.org/officeDocument/2006/relationships" xmlns:p="http://schemas.openxmlformats.org/presentationml/2006/main">
-  <p:cSld>
-    <p:spTree>
-      <p:nvGrpSpPr>
-        <p:cNvPr id="1" name=""/>
-        <p:cNvGrpSpPr/>
-        <p:nvPr/>
-      </p:nvGrpSpPr>
-      <p:grpSpPr>
-        <a:xfrm>
-          <a:off x="0" y="0"/>
-          <a:ext cx="0" cy="0"/>
-          <a:chOff x="0" y="0"/>
-          <a:chExt cx="0" cy="0"/>
-        </a:xfrm>
-      </p:grpSpPr>
-      <p:sp>
-        <p:nvSpPr>
-          <p:cNvPr id="2" name="Título 1">
-            <a:extLst>
-              <a:ext uri="{FF2B5EF4-FFF2-40B4-BE49-F238E27FC236}">
                 <a16:creationId xmlns:a16="http://schemas.microsoft.com/office/drawing/2014/main" id="{82905A60-ACA9-44CC-9E0F-897DE2114831}"/>
               </a:ext>
             </a:extLst>
@@ -3958,7 +4032,7 @@
                 <a:latin typeface="Arial" panose="020B0604020202020204" pitchFamily="34" charset="0"/>
                 <a:cs typeface="Arial" panose="020B0604020202020204" pitchFamily="34" charset="0"/>
               </a:rPr>
-              <a:t>LLUVIA DE IDEAS </a:t>
+              <a:t>IDEACIÓN   </a:t>
             </a:r>
             <a:endParaRPr lang="es-CL" dirty="0">
               <a:latin typeface="Arial" panose="020B0604020202020204" pitchFamily="34" charset="0"/>
@@ -3985,27 +4059,36 @@
         </p:nvSpPr>
         <p:spPr>
           <a:xfrm>
-            <a:off x="3869268" y="864108"/>
-            <a:ext cx="7050269" cy="2411752"/>
+            <a:off x="3471170" y="739821"/>
+            <a:ext cx="7075506" cy="2411752"/>
           </a:xfrm>
         </p:spPr>
         <p:txBody>
-          <a:bodyPr/>
-          <a:lstStyle/>
-          <a:p>
-            <a:pPr marL="457200" lvl="1" indent="0">
-              <a:buNone/>
-            </a:pPr>
+          <a:bodyPr>
+            <a:normAutofit/>
+          </a:bodyPr>
+          <a:lstStyle/>
+          <a:p>
+            <a:pPr marL="742950" lvl="1" indent="-285750" algn="just"/>
             <a:r>
               <a:rPr lang="es-ES" dirty="0">
                 <a:latin typeface="Arial" panose="020B0604020202020204" pitchFamily="34" charset="0"/>
                 <a:cs typeface="Arial" panose="020B0604020202020204" pitchFamily="34" charset="0"/>
               </a:rPr>
-              <a:t>Selección y composición inicial:  </a:t>
-            </a:r>
-          </a:p>
-          <a:p>
-            <a:pPr marL="742950" lvl="1" indent="-285750">
+              <a:t>Mediante una lluvia de ideas se realizó una elección y composición inicial para el prototipo:  </a:t>
+            </a:r>
+          </a:p>
+          <a:p>
+            <a:pPr marL="457200" lvl="1" indent="0" algn="just">
+              <a:buNone/>
+            </a:pPr>
+            <a:endParaRPr lang="es-ES" dirty="0">
+              <a:latin typeface="Arial" panose="020B0604020202020204" pitchFamily="34" charset="0"/>
+              <a:cs typeface="Arial" panose="020B0604020202020204" pitchFamily="34" charset="0"/>
+            </a:endParaRPr>
+          </a:p>
+          <a:p>
+            <a:pPr marL="1200150" lvl="2" indent="-285750" algn="just">
               <a:buFont typeface="Wingdings" panose="05000000000000000000" pitchFamily="2" charset="2"/>
               <a:buChar char="v"/>
             </a:pPr>
@@ -4018,7 +4101,7 @@
             </a:r>
           </a:p>
           <a:p>
-            <a:pPr marL="742950" lvl="1" indent="-285750">
+            <a:pPr marL="1200150" lvl="2" indent="-285750" algn="just">
               <a:buFont typeface="Wingdings" panose="05000000000000000000" pitchFamily="2" charset="2"/>
               <a:buChar char="v"/>
             </a:pPr>
@@ -4031,7 +4114,7 @@
             </a:r>
           </a:p>
           <a:p>
-            <a:pPr marL="742950" lvl="1" indent="-285750">
+            <a:pPr marL="1200150" lvl="2" indent="-285750" algn="just">
               <a:buFont typeface="Wingdings" panose="05000000000000000000" pitchFamily="2" charset="2"/>
               <a:buChar char="v"/>
             </a:pPr>
@@ -4044,7 +4127,7 @@
             </a:r>
           </a:p>
           <a:p>
-            <a:pPr marL="742950" lvl="1" indent="-285750">
+            <a:pPr marL="1200150" lvl="2" indent="-285750" algn="just">
               <a:buFont typeface="Wingdings" panose="05000000000000000000" pitchFamily="2" charset="2"/>
               <a:buChar char="v"/>
             </a:pPr>
@@ -4057,7 +4140,7 @@
             </a:r>
           </a:p>
           <a:p>
-            <a:pPr marL="742950" lvl="1" indent="-285750">
+            <a:pPr marL="1200150" lvl="2" indent="-285750" algn="just">
               <a:buFont typeface="Wingdings" panose="05000000000000000000" pitchFamily="2" charset="2"/>
               <a:buChar char="v"/>
             </a:pPr>
@@ -4173,8 +4256,8 @@
         </p:blipFill>
         <p:spPr>
           <a:xfrm rot="16200000">
-            <a:off x="5751645" y="2411384"/>
-            <a:ext cx="3091616" cy="5433131"/>
+            <a:off x="6288986" y="2452472"/>
+            <a:ext cx="2566641" cy="4510553"/>
           </a:xfrm>
           <a:prstGeom prst="rect">
             <a:avLst/>
@@ -4185,6 +4268,381 @@
     <p:extLst>
       <p:ext uri="{BB962C8B-B14F-4D97-AF65-F5344CB8AC3E}">
         <p14:creationId xmlns:p14="http://schemas.microsoft.com/office/powerpoint/2010/main" val="1010961826"/>
+      </p:ext>
+    </p:extLst>
+  </p:cSld>
+  <p:clrMapOvr>
+    <a:masterClrMapping/>
+  </p:clrMapOvr>
+</p:sld>
+</file>
+
+<file path=ppt/slides/slide14.xml><?xml version="1.0" encoding="utf-8"?>
+<p:sld xmlns:a="http://schemas.openxmlformats.org/drawingml/2006/main" xmlns:r="http://schemas.openxmlformats.org/officeDocument/2006/relationships" xmlns:p="http://schemas.openxmlformats.org/presentationml/2006/main">
+  <p:cSld>
+    <p:spTree>
+      <p:nvGrpSpPr>
+        <p:cNvPr id="1" name=""/>
+        <p:cNvGrpSpPr/>
+        <p:nvPr/>
+      </p:nvGrpSpPr>
+      <p:grpSpPr>
+        <a:xfrm>
+          <a:off x="0" y="0"/>
+          <a:ext cx="0" cy="0"/>
+          <a:chOff x="0" y="0"/>
+          <a:chExt cx="0" cy="0"/>
+        </a:xfrm>
+      </p:grpSpPr>
+      <p:sp>
+        <p:nvSpPr>
+          <p:cNvPr id="2" name="Título 1">
+            <a:extLst>
+              <a:ext uri="{FF2B5EF4-FFF2-40B4-BE49-F238E27FC236}">
+                <a16:creationId xmlns:a16="http://schemas.microsoft.com/office/drawing/2014/main" id="{502E8DB7-3385-4846-94F1-199DD3DF05DC}"/>
+              </a:ext>
+            </a:extLst>
+          </p:cNvPr>
+          <p:cNvSpPr>
+            <a:spLocks noGrp="1"/>
+          </p:cNvSpPr>
+          <p:nvPr>
+            <p:ph type="title"/>
+          </p:nvPr>
+        </p:nvSpPr>
+        <p:spPr/>
+        <p:txBody>
+          <a:bodyPr/>
+          <a:lstStyle/>
+          <a:p>
+            <a:r>
+              <a:rPr lang="es-ES" dirty="0"/>
+              <a:t>PROTOTIPO</a:t>
+            </a:r>
+            <a:endParaRPr lang="es-CL" dirty="0"/>
+          </a:p>
+        </p:txBody>
+      </p:sp>
+      <p:pic>
+        <p:nvPicPr>
+          <p:cNvPr id="5" name="Marcador de contenido 4">
+            <a:extLst>
+              <a:ext uri="{FF2B5EF4-FFF2-40B4-BE49-F238E27FC236}">
+                <a16:creationId xmlns:a16="http://schemas.microsoft.com/office/drawing/2014/main" id="{9A862262-C620-4664-9061-7BA5CF1E93B0}"/>
+              </a:ext>
+            </a:extLst>
+          </p:cNvPr>
+          <p:cNvPicPr>
+            <a:picLocks noGrp="1" noChangeAspect="1"/>
+          </p:cNvPicPr>
+          <p:nvPr>
+            <p:ph idx="1"/>
+          </p:nvPr>
+        </p:nvPicPr>
+        <p:blipFill>
+          <a:blip r:embed="rId2">
+            <a:extLst>
+              <a:ext uri="{28A0092B-C50C-407E-A947-70E740481C1C}">
+                <a14:useLocalDpi xmlns:a14="http://schemas.microsoft.com/office/drawing/2010/main" val="0"/>
+              </a:ext>
+            </a:extLst>
+          </a:blip>
+          <a:stretch>
+            <a:fillRect/>
+          </a:stretch>
+        </p:blipFill>
+        <p:spPr>
+          <a:xfrm>
+            <a:off x="8408026" y="1695635"/>
+            <a:ext cx="3247845" cy="3247845"/>
+          </a:xfrm>
+        </p:spPr>
+      </p:pic>
+      <p:sp>
+        <p:nvSpPr>
+          <p:cNvPr id="6" name="Marcador de contenido 2">
+            <a:extLst>
+              <a:ext uri="{FF2B5EF4-FFF2-40B4-BE49-F238E27FC236}">
+                <a16:creationId xmlns:a16="http://schemas.microsoft.com/office/drawing/2014/main" id="{0E59518E-A29C-4614-99E5-E3CABB08B84A}"/>
+              </a:ext>
+            </a:extLst>
+          </p:cNvPr>
+          <p:cNvSpPr txBox="1">
+            <a:spLocks/>
+          </p:cNvSpPr>
+          <p:nvPr/>
+        </p:nvSpPr>
+        <p:spPr>
+          <a:xfrm>
+            <a:off x="3300275" y="1123837"/>
+            <a:ext cx="5007877" cy="4601183"/>
+          </a:xfrm>
+          <a:prstGeom prst="rect">
+            <a:avLst/>
+          </a:prstGeom>
+        </p:spPr>
+        <p:txBody>
+          <a:bodyPr vert="horz" lIns="91440" tIns="45720" rIns="91440" bIns="45720" rtlCol="0" anchor="ctr">
+            <a:normAutofit/>
+          </a:bodyPr>
+          <a:lstStyle>
+            <a:lvl1pPr marL="182880" indent="-182880" algn="l" defTabSz="914400" rtl="0" eaLnBrk="1" latinLnBrk="0" hangingPunct="1">
+              <a:lnSpc>
+                <a:spcPct val="90000"/>
+              </a:lnSpc>
+              <a:spcBef>
+                <a:spcPts val="1200"/>
+              </a:spcBef>
+              <a:buClr>
+                <a:schemeClr val="accent1"/>
+              </a:buClr>
+              <a:buFont typeface="Wingdings 2" pitchFamily="18" charset="2"/>
+              <a:buChar char=""/>
+              <a:defRPr sz="2000" kern="1200">
+                <a:solidFill>
+                  <a:schemeClr val="tx1">
+                    <a:lumMod val="65000"/>
+                    <a:lumOff val="35000"/>
+                  </a:schemeClr>
+                </a:solidFill>
+                <a:latin typeface="+mn-lt"/>
+                <a:ea typeface="+mn-ea"/>
+                <a:cs typeface="+mn-cs"/>
+              </a:defRPr>
+            </a:lvl1pPr>
+            <a:lvl2pPr marL="685800" indent="-182880" algn="l" defTabSz="914400" rtl="0" eaLnBrk="1" latinLnBrk="0" hangingPunct="1">
+              <a:lnSpc>
+                <a:spcPct val="90000"/>
+              </a:lnSpc>
+              <a:spcBef>
+                <a:spcPts val="250"/>
+              </a:spcBef>
+              <a:spcAft>
+                <a:spcPts val="250"/>
+              </a:spcAft>
+              <a:buClr>
+                <a:schemeClr val="accent1"/>
+              </a:buClr>
+              <a:buFont typeface="Wingdings 2" pitchFamily="18" charset="2"/>
+              <a:buChar char=""/>
+              <a:defRPr sz="1800" kern="1200">
+                <a:solidFill>
+                  <a:schemeClr val="tx1">
+                    <a:lumMod val="65000"/>
+                    <a:lumOff val="35000"/>
+                  </a:schemeClr>
+                </a:solidFill>
+                <a:latin typeface="+mn-lt"/>
+                <a:ea typeface="+mn-ea"/>
+                <a:cs typeface="+mn-cs"/>
+              </a:defRPr>
+            </a:lvl2pPr>
+            <a:lvl3pPr marL="1143000" indent="-182880" algn="l" defTabSz="914400" rtl="0" eaLnBrk="1" latinLnBrk="0" hangingPunct="1">
+              <a:lnSpc>
+                <a:spcPct val="90000"/>
+              </a:lnSpc>
+              <a:spcBef>
+                <a:spcPts val="250"/>
+              </a:spcBef>
+              <a:spcAft>
+                <a:spcPts val="250"/>
+              </a:spcAft>
+              <a:buClr>
+                <a:schemeClr val="accent1"/>
+              </a:buClr>
+              <a:buFont typeface="Wingdings 2" pitchFamily="18" charset="2"/>
+              <a:buChar char=""/>
+              <a:defRPr sz="1600" kern="1200">
+                <a:solidFill>
+                  <a:schemeClr val="tx1">
+                    <a:lumMod val="65000"/>
+                    <a:lumOff val="35000"/>
+                  </a:schemeClr>
+                </a:solidFill>
+                <a:latin typeface="+mn-lt"/>
+                <a:ea typeface="+mn-ea"/>
+                <a:cs typeface="+mn-cs"/>
+              </a:defRPr>
+            </a:lvl3pPr>
+            <a:lvl4pPr marL="1600200" indent="-182880" algn="l" defTabSz="914400" rtl="0" eaLnBrk="1" latinLnBrk="0" hangingPunct="1">
+              <a:lnSpc>
+                <a:spcPct val="90000"/>
+              </a:lnSpc>
+              <a:spcBef>
+                <a:spcPts val="250"/>
+              </a:spcBef>
+              <a:spcAft>
+                <a:spcPts val="250"/>
+              </a:spcAft>
+              <a:buClr>
+                <a:schemeClr val="accent1"/>
+              </a:buClr>
+              <a:buFont typeface="Wingdings 2" pitchFamily="18" charset="2"/>
+              <a:buChar char=""/>
+              <a:defRPr sz="1400" kern="1200">
+                <a:solidFill>
+                  <a:schemeClr val="tx1">
+                    <a:lumMod val="65000"/>
+                    <a:lumOff val="35000"/>
+                  </a:schemeClr>
+                </a:solidFill>
+                <a:latin typeface="+mn-lt"/>
+                <a:ea typeface="+mn-ea"/>
+                <a:cs typeface="+mn-cs"/>
+              </a:defRPr>
+            </a:lvl4pPr>
+            <a:lvl5pPr marL="2057400" indent="-182880" algn="l" defTabSz="914400" rtl="0" eaLnBrk="1" latinLnBrk="0" hangingPunct="1">
+              <a:lnSpc>
+                <a:spcPct val="90000"/>
+              </a:lnSpc>
+              <a:spcBef>
+                <a:spcPts val="250"/>
+              </a:spcBef>
+              <a:spcAft>
+                <a:spcPts val="250"/>
+              </a:spcAft>
+              <a:buClr>
+                <a:schemeClr val="accent1"/>
+              </a:buClr>
+              <a:buFont typeface="Wingdings 2" pitchFamily="18" charset="2"/>
+              <a:buChar char=""/>
+              <a:defRPr sz="1400" kern="1200">
+                <a:solidFill>
+                  <a:schemeClr val="tx1">
+                    <a:lumMod val="65000"/>
+                    <a:lumOff val="35000"/>
+                  </a:schemeClr>
+                </a:solidFill>
+                <a:latin typeface="+mn-lt"/>
+                <a:ea typeface="+mn-ea"/>
+                <a:cs typeface="+mn-cs"/>
+              </a:defRPr>
+            </a:lvl5pPr>
+            <a:lvl6pPr marL="2514600" indent="-228600" algn="l" defTabSz="914400" rtl="0" eaLnBrk="1" latinLnBrk="0" hangingPunct="1">
+              <a:lnSpc>
+                <a:spcPct val="90000"/>
+              </a:lnSpc>
+              <a:spcBef>
+                <a:spcPts val="250"/>
+              </a:spcBef>
+              <a:spcAft>
+                <a:spcPts val="250"/>
+              </a:spcAft>
+              <a:buClr>
+                <a:schemeClr val="accent1"/>
+              </a:buClr>
+              <a:buFont typeface="Wingdings 2" pitchFamily="18" charset="2"/>
+              <a:buChar char=""/>
+              <a:defRPr sz="1400" kern="1200">
+                <a:solidFill>
+                  <a:schemeClr val="tx1">
+                    <a:lumMod val="65000"/>
+                    <a:lumOff val="35000"/>
+                  </a:schemeClr>
+                </a:solidFill>
+                <a:latin typeface="+mn-lt"/>
+                <a:ea typeface="+mn-ea"/>
+                <a:cs typeface="+mn-cs"/>
+              </a:defRPr>
+            </a:lvl6pPr>
+            <a:lvl7pPr marL="2971800" indent="-228600" algn="l" defTabSz="914400" rtl="0" eaLnBrk="1" latinLnBrk="0" hangingPunct="1">
+              <a:lnSpc>
+                <a:spcPct val="90000"/>
+              </a:lnSpc>
+              <a:spcBef>
+                <a:spcPts val="250"/>
+              </a:spcBef>
+              <a:spcAft>
+                <a:spcPts val="250"/>
+              </a:spcAft>
+              <a:buClr>
+                <a:schemeClr val="accent1"/>
+              </a:buClr>
+              <a:buFont typeface="Wingdings 2" pitchFamily="18" charset="2"/>
+              <a:buChar char=""/>
+              <a:defRPr sz="1400" kern="1200">
+                <a:solidFill>
+                  <a:schemeClr val="tx1">
+                    <a:lumMod val="65000"/>
+                    <a:lumOff val="35000"/>
+                  </a:schemeClr>
+                </a:solidFill>
+                <a:latin typeface="+mn-lt"/>
+                <a:ea typeface="+mn-ea"/>
+                <a:cs typeface="+mn-cs"/>
+              </a:defRPr>
+            </a:lvl7pPr>
+            <a:lvl8pPr marL="3429000" indent="-228600" algn="l" defTabSz="914400" rtl="0" eaLnBrk="1" latinLnBrk="0" hangingPunct="1">
+              <a:lnSpc>
+                <a:spcPct val="90000"/>
+              </a:lnSpc>
+              <a:spcBef>
+                <a:spcPts val="250"/>
+              </a:spcBef>
+              <a:spcAft>
+                <a:spcPts val="250"/>
+              </a:spcAft>
+              <a:buClr>
+                <a:schemeClr val="accent1"/>
+              </a:buClr>
+              <a:buFont typeface="Wingdings 2" pitchFamily="18" charset="2"/>
+              <a:buChar char=""/>
+              <a:defRPr sz="1400" kern="1200">
+                <a:solidFill>
+                  <a:schemeClr val="tx1">
+                    <a:lumMod val="65000"/>
+                    <a:lumOff val="35000"/>
+                  </a:schemeClr>
+                </a:solidFill>
+                <a:latin typeface="+mn-lt"/>
+                <a:ea typeface="+mn-ea"/>
+                <a:cs typeface="+mn-cs"/>
+              </a:defRPr>
+            </a:lvl8pPr>
+            <a:lvl9pPr marL="3886200" indent="-228600" algn="l" defTabSz="914400" rtl="0" eaLnBrk="1" latinLnBrk="0" hangingPunct="1">
+              <a:lnSpc>
+                <a:spcPct val="90000"/>
+              </a:lnSpc>
+              <a:spcBef>
+                <a:spcPts val="250"/>
+              </a:spcBef>
+              <a:spcAft>
+                <a:spcPts val="250"/>
+              </a:spcAft>
+              <a:buClr>
+                <a:schemeClr val="accent1"/>
+              </a:buClr>
+              <a:buFont typeface="Wingdings 2" pitchFamily="18" charset="2"/>
+              <a:buChar char=""/>
+              <a:defRPr sz="1400" kern="1200">
+                <a:solidFill>
+                  <a:schemeClr val="tx1">
+                    <a:lumMod val="65000"/>
+                    <a:lumOff val="35000"/>
+                  </a:schemeClr>
+                </a:solidFill>
+                <a:latin typeface="+mn-lt"/>
+                <a:ea typeface="+mn-ea"/>
+                <a:cs typeface="+mn-cs"/>
+              </a:defRPr>
+            </a:lvl9pPr>
+          </a:lstStyle>
+          <a:p>
+            <a:pPr marL="742950" lvl="1" indent="-285750" algn="just"/>
+            <a:r>
+              <a:rPr lang="es-ES" dirty="0">
+                <a:latin typeface="Arial" panose="020B0604020202020204" pitchFamily="34" charset="0"/>
+                <a:cs typeface="Arial" panose="020B0604020202020204" pitchFamily="34" charset="0"/>
+              </a:rPr>
+              <a:t>En esta fase, interpretamos nuestras ideas seleccionadas en un dispositivo oculto en el interior de un accesorio, protegiendo de esa forma la privacidad e integridad de nuestro cliente.</a:t>
+            </a:r>
+          </a:p>
+        </p:txBody>
+      </p:sp>
+    </p:spTree>
+    <p:extLst>
+      <p:ext uri="{BB962C8B-B14F-4D97-AF65-F5344CB8AC3E}">
+        <p14:creationId xmlns:p14="http://schemas.microsoft.com/office/powerpoint/2010/main" val="2037940900"/>
       </p:ext>
     </p:extLst>
   </p:cSld>
@@ -4242,33 +4700,325 @@
       </p:sp>
       <p:sp>
         <p:nvSpPr>
-          <p:cNvPr id="3" name="Marcador de contenido 2">
+          <p:cNvPr id="6" name="Marcador de contenido 2">
             <a:extLst>
               <a:ext uri="{FF2B5EF4-FFF2-40B4-BE49-F238E27FC236}">
-                <a16:creationId xmlns:a16="http://schemas.microsoft.com/office/drawing/2014/main" id="{C65D67EF-FA75-46A6-98E8-0981C1EF4F57}"/>
+                <a16:creationId xmlns:a16="http://schemas.microsoft.com/office/drawing/2014/main" id="{0E59518E-A29C-4614-99E5-E3CABB08B84A}"/>
               </a:ext>
             </a:extLst>
           </p:cNvPr>
-          <p:cNvSpPr>
-            <a:spLocks noGrp="1"/>
-          </p:cNvSpPr>
-          <p:nvPr>
-            <p:ph idx="1"/>
-          </p:nvPr>
-        </p:nvSpPr>
-        <p:spPr/>
-        <p:txBody>
-          <a:bodyPr/>
-          <a:lstStyle/>
-          <a:p>
-            <a:endParaRPr lang="es-CL"/>
-          </a:p>
-        </p:txBody>
-      </p:sp>
+          <p:cNvSpPr txBox="1">
+            <a:spLocks/>
+          </p:cNvSpPr>
+          <p:nvPr/>
+        </p:nvSpPr>
+        <p:spPr>
+          <a:xfrm>
+            <a:off x="6487662" y="1123837"/>
+            <a:ext cx="5007877" cy="4601183"/>
+          </a:xfrm>
+          <a:prstGeom prst="rect">
+            <a:avLst/>
+          </a:prstGeom>
+        </p:spPr>
+        <p:txBody>
+          <a:bodyPr vert="horz" lIns="91440" tIns="45720" rIns="91440" bIns="45720" rtlCol="0" anchor="ctr">
+            <a:normAutofit/>
+          </a:bodyPr>
+          <a:lstStyle>
+            <a:lvl1pPr marL="182880" indent="-182880" algn="l" defTabSz="914400" rtl="0" eaLnBrk="1" latinLnBrk="0" hangingPunct="1">
+              <a:lnSpc>
+                <a:spcPct val="90000"/>
+              </a:lnSpc>
+              <a:spcBef>
+                <a:spcPts val="1200"/>
+              </a:spcBef>
+              <a:buClr>
+                <a:schemeClr val="accent1"/>
+              </a:buClr>
+              <a:buFont typeface="Wingdings 2" pitchFamily="18" charset="2"/>
+              <a:buChar char=""/>
+              <a:defRPr sz="2000" kern="1200">
+                <a:solidFill>
+                  <a:schemeClr val="tx1">
+                    <a:lumMod val="65000"/>
+                    <a:lumOff val="35000"/>
+                  </a:schemeClr>
+                </a:solidFill>
+                <a:latin typeface="+mn-lt"/>
+                <a:ea typeface="+mn-ea"/>
+                <a:cs typeface="+mn-cs"/>
+              </a:defRPr>
+            </a:lvl1pPr>
+            <a:lvl2pPr marL="685800" indent="-182880" algn="l" defTabSz="914400" rtl="0" eaLnBrk="1" latinLnBrk="0" hangingPunct="1">
+              <a:lnSpc>
+                <a:spcPct val="90000"/>
+              </a:lnSpc>
+              <a:spcBef>
+                <a:spcPts val="250"/>
+              </a:spcBef>
+              <a:spcAft>
+                <a:spcPts val="250"/>
+              </a:spcAft>
+              <a:buClr>
+                <a:schemeClr val="accent1"/>
+              </a:buClr>
+              <a:buFont typeface="Wingdings 2" pitchFamily="18" charset="2"/>
+              <a:buChar char=""/>
+              <a:defRPr sz="1800" kern="1200">
+                <a:solidFill>
+                  <a:schemeClr val="tx1">
+                    <a:lumMod val="65000"/>
+                    <a:lumOff val="35000"/>
+                  </a:schemeClr>
+                </a:solidFill>
+                <a:latin typeface="+mn-lt"/>
+                <a:ea typeface="+mn-ea"/>
+                <a:cs typeface="+mn-cs"/>
+              </a:defRPr>
+            </a:lvl2pPr>
+            <a:lvl3pPr marL="1143000" indent="-182880" algn="l" defTabSz="914400" rtl="0" eaLnBrk="1" latinLnBrk="0" hangingPunct="1">
+              <a:lnSpc>
+                <a:spcPct val="90000"/>
+              </a:lnSpc>
+              <a:spcBef>
+                <a:spcPts val="250"/>
+              </a:spcBef>
+              <a:spcAft>
+                <a:spcPts val="250"/>
+              </a:spcAft>
+              <a:buClr>
+                <a:schemeClr val="accent1"/>
+              </a:buClr>
+              <a:buFont typeface="Wingdings 2" pitchFamily="18" charset="2"/>
+              <a:buChar char=""/>
+              <a:defRPr sz="1600" kern="1200">
+                <a:solidFill>
+                  <a:schemeClr val="tx1">
+                    <a:lumMod val="65000"/>
+                    <a:lumOff val="35000"/>
+                  </a:schemeClr>
+                </a:solidFill>
+                <a:latin typeface="+mn-lt"/>
+                <a:ea typeface="+mn-ea"/>
+                <a:cs typeface="+mn-cs"/>
+              </a:defRPr>
+            </a:lvl3pPr>
+            <a:lvl4pPr marL="1600200" indent="-182880" algn="l" defTabSz="914400" rtl="0" eaLnBrk="1" latinLnBrk="0" hangingPunct="1">
+              <a:lnSpc>
+                <a:spcPct val="90000"/>
+              </a:lnSpc>
+              <a:spcBef>
+                <a:spcPts val="250"/>
+              </a:spcBef>
+              <a:spcAft>
+                <a:spcPts val="250"/>
+              </a:spcAft>
+              <a:buClr>
+                <a:schemeClr val="accent1"/>
+              </a:buClr>
+              <a:buFont typeface="Wingdings 2" pitchFamily="18" charset="2"/>
+              <a:buChar char=""/>
+              <a:defRPr sz="1400" kern="1200">
+                <a:solidFill>
+                  <a:schemeClr val="tx1">
+                    <a:lumMod val="65000"/>
+                    <a:lumOff val="35000"/>
+                  </a:schemeClr>
+                </a:solidFill>
+                <a:latin typeface="+mn-lt"/>
+                <a:ea typeface="+mn-ea"/>
+                <a:cs typeface="+mn-cs"/>
+              </a:defRPr>
+            </a:lvl4pPr>
+            <a:lvl5pPr marL="2057400" indent="-182880" algn="l" defTabSz="914400" rtl="0" eaLnBrk="1" latinLnBrk="0" hangingPunct="1">
+              <a:lnSpc>
+                <a:spcPct val="90000"/>
+              </a:lnSpc>
+              <a:spcBef>
+                <a:spcPts val="250"/>
+              </a:spcBef>
+              <a:spcAft>
+                <a:spcPts val="250"/>
+              </a:spcAft>
+              <a:buClr>
+                <a:schemeClr val="accent1"/>
+              </a:buClr>
+              <a:buFont typeface="Wingdings 2" pitchFamily="18" charset="2"/>
+              <a:buChar char=""/>
+              <a:defRPr sz="1400" kern="1200">
+                <a:solidFill>
+                  <a:schemeClr val="tx1">
+                    <a:lumMod val="65000"/>
+                    <a:lumOff val="35000"/>
+                  </a:schemeClr>
+                </a:solidFill>
+                <a:latin typeface="+mn-lt"/>
+                <a:ea typeface="+mn-ea"/>
+                <a:cs typeface="+mn-cs"/>
+              </a:defRPr>
+            </a:lvl5pPr>
+            <a:lvl6pPr marL="2514600" indent="-228600" algn="l" defTabSz="914400" rtl="0" eaLnBrk="1" latinLnBrk="0" hangingPunct="1">
+              <a:lnSpc>
+                <a:spcPct val="90000"/>
+              </a:lnSpc>
+              <a:spcBef>
+                <a:spcPts val="250"/>
+              </a:spcBef>
+              <a:spcAft>
+                <a:spcPts val="250"/>
+              </a:spcAft>
+              <a:buClr>
+                <a:schemeClr val="accent1"/>
+              </a:buClr>
+              <a:buFont typeface="Wingdings 2" pitchFamily="18" charset="2"/>
+              <a:buChar char=""/>
+              <a:defRPr sz="1400" kern="1200">
+                <a:solidFill>
+                  <a:schemeClr val="tx1">
+                    <a:lumMod val="65000"/>
+                    <a:lumOff val="35000"/>
+                  </a:schemeClr>
+                </a:solidFill>
+                <a:latin typeface="+mn-lt"/>
+                <a:ea typeface="+mn-ea"/>
+                <a:cs typeface="+mn-cs"/>
+              </a:defRPr>
+            </a:lvl6pPr>
+            <a:lvl7pPr marL="2971800" indent="-228600" algn="l" defTabSz="914400" rtl="0" eaLnBrk="1" latinLnBrk="0" hangingPunct="1">
+              <a:lnSpc>
+                <a:spcPct val="90000"/>
+              </a:lnSpc>
+              <a:spcBef>
+                <a:spcPts val="250"/>
+              </a:spcBef>
+              <a:spcAft>
+                <a:spcPts val="250"/>
+              </a:spcAft>
+              <a:buClr>
+                <a:schemeClr val="accent1"/>
+              </a:buClr>
+              <a:buFont typeface="Wingdings 2" pitchFamily="18" charset="2"/>
+              <a:buChar char=""/>
+              <a:defRPr sz="1400" kern="1200">
+                <a:solidFill>
+                  <a:schemeClr val="tx1">
+                    <a:lumMod val="65000"/>
+                    <a:lumOff val="35000"/>
+                  </a:schemeClr>
+                </a:solidFill>
+                <a:latin typeface="+mn-lt"/>
+                <a:ea typeface="+mn-ea"/>
+                <a:cs typeface="+mn-cs"/>
+              </a:defRPr>
+            </a:lvl7pPr>
+            <a:lvl8pPr marL="3429000" indent="-228600" algn="l" defTabSz="914400" rtl="0" eaLnBrk="1" latinLnBrk="0" hangingPunct="1">
+              <a:lnSpc>
+                <a:spcPct val="90000"/>
+              </a:lnSpc>
+              <a:spcBef>
+                <a:spcPts val="250"/>
+              </a:spcBef>
+              <a:spcAft>
+                <a:spcPts val="250"/>
+              </a:spcAft>
+              <a:buClr>
+                <a:schemeClr val="accent1"/>
+              </a:buClr>
+              <a:buFont typeface="Wingdings 2" pitchFamily="18" charset="2"/>
+              <a:buChar char=""/>
+              <a:defRPr sz="1400" kern="1200">
+                <a:solidFill>
+                  <a:schemeClr val="tx1">
+                    <a:lumMod val="65000"/>
+                    <a:lumOff val="35000"/>
+                  </a:schemeClr>
+                </a:solidFill>
+                <a:latin typeface="+mn-lt"/>
+                <a:ea typeface="+mn-ea"/>
+                <a:cs typeface="+mn-cs"/>
+              </a:defRPr>
+            </a:lvl8pPr>
+            <a:lvl9pPr marL="3886200" indent="-228600" algn="l" defTabSz="914400" rtl="0" eaLnBrk="1" latinLnBrk="0" hangingPunct="1">
+              <a:lnSpc>
+                <a:spcPct val="90000"/>
+              </a:lnSpc>
+              <a:spcBef>
+                <a:spcPts val="250"/>
+              </a:spcBef>
+              <a:spcAft>
+                <a:spcPts val="250"/>
+              </a:spcAft>
+              <a:buClr>
+                <a:schemeClr val="accent1"/>
+              </a:buClr>
+              <a:buFont typeface="Wingdings 2" pitchFamily="18" charset="2"/>
+              <a:buChar char=""/>
+              <a:defRPr sz="1400" kern="1200">
+                <a:solidFill>
+                  <a:schemeClr val="tx1">
+                    <a:lumMod val="65000"/>
+                    <a:lumOff val="35000"/>
+                  </a:schemeClr>
+                </a:solidFill>
+                <a:latin typeface="+mn-lt"/>
+                <a:ea typeface="+mn-ea"/>
+                <a:cs typeface="+mn-cs"/>
+              </a:defRPr>
+            </a:lvl9pPr>
+          </a:lstStyle>
+          <a:p>
+            <a:pPr marL="742950" lvl="1" indent="-285750" algn="just"/>
+            <a:r>
+              <a:rPr lang="es-ES" dirty="0">
+                <a:latin typeface="Arial" panose="020B0604020202020204" pitchFamily="34" charset="0"/>
+                <a:cs typeface="Arial" panose="020B0604020202020204" pitchFamily="34" charset="0"/>
+              </a:rPr>
+              <a:t>El dispositivo contara con un pulsador, el cual al accionarse un numero determinado de veces enviara una señal de alerta al servidor de la empresa y a los dispositivos móviles vinculados a esta.</a:t>
+            </a:r>
+          </a:p>
+        </p:txBody>
+      </p:sp>
+      <p:pic>
+        <p:nvPicPr>
+          <p:cNvPr id="8" name="Imagen 7">
+            <a:extLst>
+              <a:ext uri="{FF2B5EF4-FFF2-40B4-BE49-F238E27FC236}">
+                <a16:creationId xmlns:a16="http://schemas.microsoft.com/office/drawing/2014/main" id="{0AE31659-18DD-49F6-B261-75B175925F73}"/>
+              </a:ext>
+            </a:extLst>
+          </p:cNvPr>
+          <p:cNvPicPr>
+            <a:picLocks noChangeAspect="1"/>
+          </p:cNvPicPr>
+          <p:nvPr/>
+        </p:nvPicPr>
+        <p:blipFill>
+          <a:blip r:embed="rId2">
+            <a:extLst>
+              <a:ext uri="{28A0092B-C50C-407E-A947-70E740481C1C}">
+                <a14:useLocalDpi xmlns:a14="http://schemas.microsoft.com/office/drawing/2010/main" val="0"/>
+              </a:ext>
+            </a:extLst>
+          </a:blip>
+          <a:stretch>
+            <a:fillRect/>
+          </a:stretch>
+        </p:blipFill>
+        <p:spPr>
+          <a:xfrm>
+            <a:off x="3789029" y="1964292"/>
+            <a:ext cx="2920271" cy="2920271"/>
+          </a:xfrm>
+          <a:prstGeom prst="rect">
+            <a:avLst/>
+          </a:prstGeom>
+        </p:spPr>
+      </p:pic>
     </p:spTree>
     <p:extLst>
       <p:ext uri="{BB962C8B-B14F-4D97-AF65-F5344CB8AC3E}">
-        <p14:creationId xmlns:p14="http://schemas.microsoft.com/office/powerpoint/2010/main" val="2037940900"/>
+        <p14:creationId xmlns:p14="http://schemas.microsoft.com/office/powerpoint/2010/main" val="2926045749"/>
       </p:ext>
     </p:extLst>
   </p:cSld>
@@ -4279,6 +5029,381 @@
 </file>
 
 <file path=ppt/slides/slide16.xml><?xml version="1.0" encoding="utf-8"?>
+<p:sld xmlns:a="http://schemas.openxmlformats.org/drawingml/2006/main" xmlns:r="http://schemas.openxmlformats.org/officeDocument/2006/relationships" xmlns:p="http://schemas.openxmlformats.org/presentationml/2006/main">
+  <p:cSld>
+    <p:spTree>
+      <p:nvGrpSpPr>
+        <p:cNvPr id="1" name=""/>
+        <p:cNvGrpSpPr/>
+        <p:nvPr/>
+      </p:nvGrpSpPr>
+      <p:grpSpPr>
+        <a:xfrm>
+          <a:off x="0" y="0"/>
+          <a:ext cx="0" cy="0"/>
+          <a:chOff x="0" y="0"/>
+          <a:chExt cx="0" cy="0"/>
+        </a:xfrm>
+      </p:grpSpPr>
+      <p:sp>
+        <p:nvSpPr>
+          <p:cNvPr id="2" name="Título 1">
+            <a:extLst>
+              <a:ext uri="{FF2B5EF4-FFF2-40B4-BE49-F238E27FC236}">
+                <a16:creationId xmlns:a16="http://schemas.microsoft.com/office/drawing/2014/main" id="{502E8DB7-3385-4846-94F1-199DD3DF05DC}"/>
+              </a:ext>
+            </a:extLst>
+          </p:cNvPr>
+          <p:cNvSpPr>
+            <a:spLocks noGrp="1"/>
+          </p:cNvSpPr>
+          <p:nvPr>
+            <p:ph type="title"/>
+          </p:nvPr>
+        </p:nvSpPr>
+        <p:spPr/>
+        <p:txBody>
+          <a:bodyPr/>
+          <a:lstStyle/>
+          <a:p>
+            <a:r>
+              <a:rPr lang="es-ES" dirty="0"/>
+              <a:t>PROTOTIPO</a:t>
+            </a:r>
+            <a:endParaRPr lang="es-CL" dirty="0"/>
+          </a:p>
+        </p:txBody>
+      </p:sp>
+      <p:sp>
+        <p:nvSpPr>
+          <p:cNvPr id="6" name="Marcador de contenido 2">
+            <a:extLst>
+              <a:ext uri="{FF2B5EF4-FFF2-40B4-BE49-F238E27FC236}">
+                <a16:creationId xmlns:a16="http://schemas.microsoft.com/office/drawing/2014/main" id="{0E59518E-A29C-4614-99E5-E3CABB08B84A}"/>
+              </a:ext>
+            </a:extLst>
+          </p:cNvPr>
+          <p:cNvSpPr txBox="1">
+            <a:spLocks/>
+          </p:cNvSpPr>
+          <p:nvPr/>
+        </p:nvSpPr>
+        <p:spPr>
+          <a:xfrm>
+            <a:off x="3300275" y="1123837"/>
+            <a:ext cx="5007877" cy="4601183"/>
+          </a:xfrm>
+          <a:prstGeom prst="rect">
+            <a:avLst/>
+          </a:prstGeom>
+        </p:spPr>
+        <p:txBody>
+          <a:bodyPr vert="horz" lIns="91440" tIns="45720" rIns="91440" bIns="45720" rtlCol="0" anchor="ctr">
+            <a:normAutofit/>
+          </a:bodyPr>
+          <a:lstStyle>
+            <a:lvl1pPr marL="182880" indent="-182880" algn="l" defTabSz="914400" rtl="0" eaLnBrk="1" latinLnBrk="0" hangingPunct="1">
+              <a:lnSpc>
+                <a:spcPct val="90000"/>
+              </a:lnSpc>
+              <a:spcBef>
+                <a:spcPts val="1200"/>
+              </a:spcBef>
+              <a:buClr>
+                <a:schemeClr val="accent1"/>
+              </a:buClr>
+              <a:buFont typeface="Wingdings 2" pitchFamily="18" charset="2"/>
+              <a:buChar char=""/>
+              <a:defRPr sz="2000" kern="1200">
+                <a:solidFill>
+                  <a:schemeClr val="tx1">
+                    <a:lumMod val="65000"/>
+                    <a:lumOff val="35000"/>
+                  </a:schemeClr>
+                </a:solidFill>
+                <a:latin typeface="+mn-lt"/>
+                <a:ea typeface="+mn-ea"/>
+                <a:cs typeface="+mn-cs"/>
+              </a:defRPr>
+            </a:lvl1pPr>
+            <a:lvl2pPr marL="685800" indent="-182880" algn="l" defTabSz="914400" rtl="0" eaLnBrk="1" latinLnBrk="0" hangingPunct="1">
+              <a:lnSpc>
+                <a:spcPct val="90000"/>
+              </a:lnSpc>
+              <a:spcBef>
+                <a:spcPts val="250"/>
+              </a:spcBef>
+              <a:spcAft>
+                <a:spcPts val="250"/>
+              </a:spcAft>
+              <a:buClr>
+                <a:schemeClr val="accent1"/>
+              </a:buClr>
+              <a:buFont typeface="Wingdings 2" pitchFamily="18" charset="2"/>
+              <a:buChar char=""/>
+              <a:defRPr sz="1800" kern="1200">
+                <a:solidFill>
+                  <a:schemeClr val="tx1">
+                    <a:lumMod val="65000"/>
+                    <a:lumOff val="35000"/>
+                  </a:schemeClr>
+                </a:solidFill>
+                <a:latin typeface="+mn-lt"/>
+                <a:ea typeface="+mn-ea"/>
+                <a:cs typeface="+mn-cs"/>
+              </a:defRPr>
+            </a:lvl2pPr>
+            <a:lvl3pPr marL="1143000" indent="-182880" algn="l" defTabSz="914400" rtl="0" eaLnBrk="1" latinLnBrk="0" hangingPunct="1">
+              <a:lnSpc>
+                <a:spcPct val="90000"/>
+              </a:lnSpc>
+              <a:spcBef>
+                <a:spcPts val="250"/>
+              </a:spcBef>
+              <a:spcAft>
+                <a:spcPts val="250"/>
+              </a:spcAft>
+              <a:buClr>
+                <a:schemeClr val="accent1"/>
+              </a:buClr>
+              <a:buFont typeface="Wingdings 2" pitchFamily="18" charset="2"/>
+              <a:buChar char=""/>
+              <a:defRPr sz="1600" kern="1200">
+                <a:solidFill>
+                  <a:schemeClr val="tx1">
+                    <a:lumMod val="65000"/>
+                    <a:lumOff val="35000"/>
+                  </a:schemeClr>
+                </a:solidFill>
+                <a:latin typeface="+mn-lt"/>
+                <a:ea typeface="+mn-ea"/>
+                <a:cs typeface="+mn-cs"/>
+              </a:defRPr>
+            </a:lvl3pPr>
+            <a:lvl4pPr marL="1600200" indent="-182880" algn="l" defTabSz="914400" rtl="0" eaLnBrk="1" latinLnBrk="0" hangingPunct="1">
+              <a:lnSpc>
+                <a:spcPct val="90000"/>
+              </a:lnSpc>
+              <a:spcBef>
+                <a:spcPts val="250"/>
+              </a:spcBef>
+              <a:spcAft>
+                <a:spcPts val="250"/>
+              </a:spcAft>
+              <a:buClr>
+                <a:schemeClr val="accent1"/>
+              </a:buClr>
+              <a:buFont typeface="Wingdings 2" pitchFamily="18" charset="2"/>
+              <a:buChar char=""/>
+              <a:defRPr sz="1400" kern="1200">
+                <a:solidFill>
+                  <a:schemeClr val="tx1">
+                    <a:lumMod val="65000"/>
+                    <a:lumOff val="35000"/>
+                  </a:schemeClr>
+                </a:solidFill>
+                <a:latin typeface="+mn-lt"/>
+                <a:ea typeface="+mn-ea"/>
+                <a:cs typeface="+mn-cs"/>
+              </a:defRPr>
+            </a:lvl4pPr>
+            <a:lvl5pPr marL="2057400" indent="-182880" algn="l" defTabSz="914400" rtl="0" eaLnBrk="1" latinLnBrk="0" hangingPunct="1">
+              <a:lnSpc>
+                <a:spcPct val="90000"/>
+              </a:lnSpc>
+              <a:spcBef>
+                <a:spcPts val="250"/>
+              </a:spcBef>
+              <a:spcAft>
+                <a:spcPts val="250"/>
+              </a:spcAft>
+              <a:buClr>
+                <a:schemeClr val="accent1"/>
+              </a:buClr>
+              <a:buFont typeface="Wingdings 2" pitchFamily="18" charset="2"/>
+              <a:buChar char=""/>
+              <a:defRPr sz="1400" kern="1200">
+                <a:solidFill>
+                  <a:schemeClr val="tx1">
+                    <a:lumMod val="65000"/>
+                    <a:lumOff val="35000"/>
+                  </a:schemeClr>
+                </a:solidFill>
+                <a:latin typeface="+mn-lt"/>
+                <a:ea typeface="+mn-ea"/>
+                <a:cs typeface="+mn-cs"/>
+              </a:defRPr>
+            </a:lvl5pPr>
+            <a:lvl6pPr marL="2514600" indent="-228600" algn="l" defTabSz="914400" rtl="0" eaLnBrk="1" latinLnBrk="0" hangingPunct="1">
+              <a:lnSpc>
+                <a:spcPct val="90000"/>
+              </a:lnSpc>
+              <a:spcBef>
+                <a:spcPts val="250"/>
+              </a:spcBef>
+              <a:spcAft>
+                <a:spcPts val="250"/>
+              </a:spcAft>
+              <a:buClr>
+                <a:schemeClr val="accent1"/>
+              </a:buClr>
+              <a:buFont typeface="Wingdings 2" pitchFamily="18" charset="2"/>
+              <a:buChar char=""/>
+              <a:defRPr sz="1400" kern="1200">
+                <a:solidFill>
+                  <a:schemeClr val="tx1">
+                    <a:lumMod val="65000"/>
+                    <a:lumOff val="35000"/>
+                  </a:schemeClr>
+                </a:solidFill>
+                <a:latin typeface="+mn-lt"/>
+                <a:ea typeface="+mn-ea"/>
+                <a:cs typeface="+mn-cs"/>
+              </a:defRPr>
+            </a:lvl6pPr>
+            <a:lvl7pPr marL="2971800" indent="-228600" algn="l" defTabSz="914400" rtl="0" eaLnBrk="1" latinLnBrk="0" hangingPunct="1">
+              <a:lnSpc>
+                <a:spcPct val="90000"/>
+              </a:lnSpc>
+              <a:spcBef>
+                <a:spcPts val="250"/>
+              </a:spcBef>
+              <a:spcAft>
+                <a:spcPts val="250"/>
+              </a:spcAft>
+              <a:buClr>
+                <a:schemeClr val="accent1"/>
+              </a:buClr>
+              <a:buFont typeface="Wingdings 2" pitchFamily="18" charset="2"/>
+              <a:buChar char=""/>
+              <a:defRPr sz="1400" kern="1200">
+                <a:solidFill>
+                  <a:schemeClr val="tx1">
+                    <a:lumMod val="65000"/>
+                    <a:lumOff val="35000"/>
+                  </a:schemeClr>
+                </a:solidFill>
+                <a:latin typeface="+mn-lt"/>
+                <a:ea typeface="+mn-ea"/>
+                <a:cs typeface="+mn-cs"/>
+              </a:defRPr>
+            </a:lvl7pPr>
+            <a:lvl8pPr marL="3429000" indent="-228600" algn="l" defTabSz="914400" rtl="0" eaLnBrk="1" latinLnBrk="0" hangingPunct="1">
+              <a:lnSpc>
+                <a:spcPct val="90000"/>
+              </a:lnSpc>
+              <a:spcBef>
+                <a:spcPts val="250"/>
+              </a:spcBef>
+              <a:spcAft>
+                <a:spcPts val="250"/>
+              </a:spcAft>
+              <a:buClr>
+                <a:schemeClr val="accent1"/>
+              </a:buClr>
+              <a:buFont typeface="Wingdings 2" pitchFamily="18" charset="2"/>
+              <a:buChar char=""/>
+              <a:defRPr sz="1400" kern="1200">
+                <a:solidFill>
+                  <a:schemeClr val="tx1">
+                    <a:lumMod val="65000"/>
+                    <a:lumOff val="35000"/>
+                  </a:schemeClr>
+                </a:solidFill>
+                <a:latin typeface="+mn-lt"/>
+                <a:ea typeface="+mn-ea"/>
+                <a:cs typeface="+mn-cs"/>
+              </a:defRPr>
+            </a:lvl8pPr>
+            <a:lvl9pPr marL="3886200" indent="-228600" algn="l" defTabSz="914400" rtl="0" eaLnBrk="1" latinLnBrk="0" hangingPunct="1">
+              <a:lnSpc>
+                <a:spcPct val="90000"/>
+              </a:lnSpc>
+              <a:spcBef>
+                <a:spcPts val="250"/>
+              </a:spcBef>
+              <a:spcAft>
+                <a:spcPts val="250"/>
+              </a:spcAft>
+              <a:buClr>
+                <a:schemeClr val="accent1"/>
+              </a:buClr>
+              <a:buFont typeface="Wingdings 2" pitchFamily="18" charset="2"/>
+              <a:buChar char=""/>
+              <a:defRPr sz="1400" kern="1200">
+                <a:solidFill>
+                  <a:schemeClr val="tx1">
+                    <a:lumMod val="65000"/>
+                    <a:lumOff val="35000"/>
+                  </a:schemeClr>
+                </a:solidFill>
+                <a:latin typeface="+mn-lt"/>
+                <a:ea typeface="+mn-ea"/>
+                <a:cs typeface="+mn-cs"/>
+              </a:defRPr>
+            </a:lvl9pPr>
+          </a:lstStyle>
+          <a:p>
+            <a:pPr marL="742950" lvl="1" indent="-285750" algn="just"/>
+            <a:r>
+              <a:rPr lang="es-ES" dirty="0">
+                <a:latin typeface="Arial" panose="020B0604020202020204" pitchFamily="34" charset="0"/>
+                <a:cs typeface="Arial" panose="020B0604020202020204" pitchFamily="34" charset="0"/>
+              </a:rPr>
+              <a:t>En esta fase, interpretamos nuestras ideas seleccionadas en un dispositivo oculto en el interior de un accesorio, protegiendo de esa forma la privacidad e integridad de nuestro cliente.</a:t>
+            </a:r>
+          </a:p>
+        </p:txBody>
+      </p:sp>
+      <p:pic>
+        <p:nvPicPr>
+          <p:cNvPr id="8" name="Marcador de contenido 7">
+            <a:extLst>
+              <a:ext uri="{FF2B5EF4-FFF2-40B4-BE49-F238E27FC236}">
+                <a16:creationId xmlns:a16="http://schemas.microsoft.com/office/drawing/2014/main" id="{72C61C24-9C47-43C3-B002-5B4AFDE5C24D}"/>
+              </a:ext>
+            </a:extLst>
+          </p:cNvPr>
+          <p:cNvPicPr>
+            <a:picLocks noGrp="1" noChangeAspect="1"/>
+          </p:cNvPicPr>
+          <p:nvPr>
+            <p:ph idx="1"/>
+          </p:nvPr>
+        </p:nvPicPr>
+        <p:blipFill>
+          <a:blip r:embed="rId2">
+            <a:extLst>
+              <a:ext uri="{28A0092B-C50C-407E-A947-70E740481C1C}">
+                <a14:useLocalDpi xmlns:a14="http://schemas.microsoft.com/office/drawing/2010/main" val="0"/>
+              </a:ext>
+            </a:extLst>
+          </a:blip>
+          <a:stretch>
+            <a:fillRect/>
+          </a:stretch>
+        </p:blipFill>
+        <p:spPr>
+          <a:xfrm>
+            <a:off x="8501146" y="1691084"/>
+            <a:ext cx="3085102" cy="3085102"/>
+          </a:xfrm>
+        </p:spPr>
+      </p:pic>
+    </p:spTree>
+    <p:extLst>
+      <p:ext uri="{BB962C8B-B14F-4D97-AF65-F5344CB8AC3E}">
+        <p14:creationId xmlns:p14="http://schemas.microsoft.com/office/powerpoint/2010/main" val="3537141090"/>
+      </p:ext>
+    </p:extLst>
+  </p:cSld>
+  <p:clrMapOvr>
+    <a:masterClrMapping/>
+  </p:clrMapOvr>
+</p:sld>
+</file>
+
+<file path=ppt/slides/slide17.xml><?xml version="1.0" encoding="utf-8"?>
 <p:sld xmlns:a="http://schemas.openxmlformats.org/drawingml/2006/main" xmlns:r="http://schemas.openxmlformats.org/officeDocument/2006/relationships" xmlns:p="http://schemas.openxmlformats.org/presentationml/2006/main">
   <p:cSld>
     <p:spTree>
@@ -4435,34 +5560,55 @@
           <a:lstStyle/>
           <a:p>
             <a:r>
-              <a:rPr lang="es-ES" dirty="0"/>
+              <a:rPr lang="es-ES" dirty="0">
+                <a:latin typeface="Arial" panose="020B0604020202020204" pitchFamily="34" charset="0"/>
+                <a:cs typeface="Arial" panose="020B0604020202020204" pitchFamily="34" charset="0"/>
+              </a:rPr>
               <a:t>Realizamos una encuesta mediante Google </a:t>
             </a:r>
             <a:r>
-              <a:rPr lang="es-ES" dirty="0" err="1"/>
+              <a:rPr lang="es-ES" dirty="0" err="1">
+                <a:latin typeface="Arial" panose="020B0604020202020204" pitchFamily="34" charset="0"/>
+                <a:cs typeface="Arial" panose="020B0604020202020204" pitchFamily="34" charset="0"/>
+              </a:rPr>
               <a:t>forms</a:t>
             </a:r>
             <a:r>
-              <a:rPr lang="es-ES" dirty="0"/>
+              <a:rPr lang="es-ES" dirty="0">
+                <a:latin typeface="Arial" panose="020B0604020202020204" pitchFamily="34" charset="0"/>
+                <a:cs typeface="Arial" panose="020B0604020202020204" pitchFamily="34" charset="0"/>
+              </a:rPr>
               <a:t>, con el siguiente contexto:</a:t>
             </a:r>
           </a:p>
           <a:p>
-            <a:endParaRPr lang="es-ES" dirty="0"/>
+            <a:endParaRPr lang="es-ES" dirty="0">
+              <a:latin typeface="Arial" panose="020B0604020202020204" pitchFamily="34" charset="0"/>
+              <a:cs typeface="Arial" panose="020B0604020202020204" pitchFamily="34" charset="0"/>
+            </a:endParaRPr>
           </a:p>
           <a:p>
             <a:pPr lvl="1"/>
             <a:r>
-              <a:rPr lang="es-ES" dirty="0"/>
+              <a:rPr lang="es-ES" dirty="0">
+                <a:latin typeface="Arial" panose="020B0604020202020204" pitchFamily="34" charset="0"/>
+                <a:cs typeface="Arial" panose="020B0604020202020204" pitchFamily="34" charset="0"/>
+              </a:rPr>
               <a:t>Desde la antigua Roma existe esta problemática: En la desigualdad de género se estima, a nivel global, que alrededor de una de cada tres mujeres en el mundo ha experimentado alguna vez en su vida violencia física o psicológica por parte de una persona, ya sea la pareja íntima o no. El acoso callejero también es un problema, entre otros. En promedio, las mujeres comienzan a sufrir acoso a los 14 años, es decir, cuando inician la etapa de la pubertad. Por eso, con la intención de frenar estas situaciones, hemos creado esta encuesta para desarrollar posibles soluciones tecnológicas dependiendo de la opinión, reacción y conocimiento de los encuestados. </a:t>
             </a:r>
           </a:p>
           <a:p>
-            <a:endParaRPr lang="es-ES" dirty="0"/>
+            <a:endParaRPr lang="es-ES" dirty="0">
+              <a:latin typeface="Arial" panose="020B0604020202020204" pitchFamily="34" charset="0"/>
+              <a:cs typeface="Arial" panose="020B0604020202020204" pitchFamily="34" charset="0"/>
+            </a:endParaRPr>
           </a:p>
           <a:p>
             <a:pPr lvl="1"/>
-            <a:endParaRPr lang="es-CL" dirty="0"/>
+            <a:endParaRPr lang="es-CL" dirty="0">
+              <a:latin typeface="Arial" panose="020B0604020202020204" pitchFamily="34" charset="0"/>
+              <a:cs typeface="Arial" panose="020B0604020202020204" pitchFamily="34" charset="0"/>
+            </a:endParaRPr>
           </a:p>
         </p:txBody>
       </p:sp>
@@ -4597,13 +5743,19 @@
           <a:lstStyle/>
           <a:p>
             <a:r>
-              <a:rPr lang="es-ES" dirty="0"/>
+              <a:rPr lang="es-ES" dirty="0">
+                <a:latin typeface="Arial" panose="020B0604020202020204" pitchFamily="34" charset="0"/>
+                <a:cs typeface="Arial" panose="020B0604020202020204" pitchFamily="34" charset="0"/>
+              </a:rPr>
               <a:t>Los nombres no se entregaran para mantener la privacidad e integridad de las personas encuestadas.</a:t>
             </a:r>
           </a:p>
           <a:p>
             <a:pPr lvl="1"/>
-            <a:endParaRPr lang="es-CL" dirty="0"/>
+            <a:endParaRPr lang="es-CL" dirty="0">
+              <a:latin typeface="Arial" panose="020B0604020202020204" pitchFamily="34" charset="0"/>
+              <a:cs typeface="Arial" panose="020B0604020202020204" pitchFamily="34" charset="0"/>
+            </a:endParaRPr>
           </a:p>
         </p:txBody>
       </p:sp>

--- a/Presentacion/Design_Thinking.pptx
+++ b/Presentacion/Design_Thinking.pptx
@@ -19,9 +19,11 @@
     <p:sldId id="272" r:id="rId13"/>
     <p:sldId id="259" r:id="rId14"/>
     <p:sldId id="260" r:id="rId15"/>
-    <p:sldId id="273" r:id="rId16"/>
-    <p:sldId id="274" r:id="rId17"/>
-    <p:sldId id="261" r:id="rId18"/>
+    <p:sldId id="276" r:id="rId16"/>
+    <p:sldId id="273" r:id="rId17"/>
+    <p:sldId id="274" r:id="rId18"/>
+    <p:sldId id="275" r:id="rId19"/>
+    <p:sldId id="261" r:id="rId20"/>
   </p:sldIdLst>
   <p:sldSz cx="12192000" cy="6858000"/>
   <p:notesSz cx="6858000" cy="9144000"/>
@@ -352,7 +354,7 @@
           <a:p>
             <a:fld id="{E706091B-B961-41D1-B651-2EF0CEBDFC9C}" type="datetimeFigureOut">
               <a:rPr lang="es-CL" smtClean="0"/>
-              <a:t>10-06-2022</a:t>
+              <a:t>11-06-2022</a:t>
             </a:fld>
             <a:endParaRPr lang="es-CL"/>
           </a:p>
@@ -522,7 +524,7 @@
           <a:p>
             <a:fld id="{E706091B-B961-41D1-B651-2EF0CEBDFC9C}" type="datetimeFigureOut">
               <a:rPr lang="es-CL" smtClean="0"/>
-              <a:t>10-06-2022</a:t>
+              <a:t>11-06-2022</a:t>
             </a:fld>
             <a:endParaRPr lang="es-CL"/>
           </a:p>
@@ -702,7 +704,7 @@
           <a:p>
             <a:fld id="{E706091B-B961-41D1-B651-2EF0CEBDFC9C}" type="datetimeFigureOut">
               <a:rPr lang="es-CL" smtClean="0"/>
-              <a:t>10-06-2022</a:t>
+              <a:t>11-06-2022</a:t>
             </a:fld>
             <a:endParaRPr lang="es-CL"/>
           </a:p>
@@ -872,7 +874,7 @@
           <a:p>
             <a:fld id="{E706091B-B961-41D1-B651-2EF0CEBDFC9C}" type="datetimeFigureOut">
               <a:rPr lang="es-CL" smtClean="0"/>
-              <a:t>10-06-2022</a:t>
+              <a:t>11-06-2022</a:t>
             </a:fld>
             <a:endParaRPr lang="es-CL"/>
           </a:p>
@@ -1130,7 +1132,7 @@
           <a:p>
             <a:fld id="{E706091B-B961-41D1-B651-2EF0CEBDFC9C}" type="datetimeFigureOut">
               <a:rPr lang="es-CL" smtClean="0"/>
-              <a:t>10-06-2022</a:t>
+              <a:t>11-06-2022</a:t>
             </a:fld>
             <a:endParaRPr lang="es-CL"/>
           </a:p>
@@ -1418,7 +1420,7 @@
           <a:p>
             <a:fld id="{E706091B-B961-41D1-B651-2EF0CEBDFC9C}" type="datetimeFigureOut">
               <a:rPr lang="es-CL" smtClean="0"/>
-              <a:t>10-06-2022</a:t>
+              <a:t>11-06-2022</a:t>
             </a:fld>
             <a:endParaRPr lang="es-CL"/>
           </a:p>
@@ -1860,7 +1862,7 @@
           <a:p>
             <a:fld id="{E706091B-B961-41D1-B651-2EF0CEBDFC9C}" type="datetimeFigureOut">
               <a:rPr lang="es-CL" smtClean="0"/>
-              <a:t>10-06-2022</a:t>
+              <a:t>11-06-2022</a:t>
             </a:fld>
             <a:endParaRPr lang="es-CL"/>
           </a:p>
@@ -1978,7 +1980,7 @@
           <a:p>
             <a:fld id="{E706091B-B961-41D1-B651-2EF0CEBDFC9C}" type="datetimeFigureOut">
               <a:rPr lang="es-CL" smtClean="0"/>
-              <a:t>10-06-2022</a:t>
+              <a:t>11-06-2022</a:t>
             </a:fld>
             <a:endParaRPr lang="es-CL"/>
           </a:p>
@@ -2073,7 +2075,7 @@
           <a:p>
             <a:fld id="{E706091B-B961-41D1-B651-2EF0CEBDFC9C}" type="datetimeFigureOut">
               <a:rPr lang="es-CL" smtClean="0"/>
-              <a:t>10-06-2022</a:t>
+              <a:t>11-06-2022</a:t>
             </a:fld>
             <a:endParaRPr lang="es-CL"/>
           </a:p>
@@ -2361,7 +2363,7 @@
           <a:p>
             <a:fld id="{E706091B-B961-41D1-B651-2EF0CEBDFC9C}" type="datetimeFigureOut">
               <a:rPr lang="es-CL" smtClean="0"/>
-              <a:t>10-06-2022</a:t>
+              <a:t>11-06-2022</a:t>
             </a:fld>
             <a:endParaRPr lang="es-CL"/>
           </a:p>
@@ -2634,7 +2636,7 @@
           <a:p>
             <a:fld id="{E706091B-B961-41D1-B651-2EF0CEBDFC9C}" type="datetimeFigureOut">
               <a:rPr lang="es-CL" smtClean="0"/>
-              <a:t>10-06-2022</a:t>
+              <a:t>11-06-2022</a:t>
             </a:fld>
             <a:endParaRPr lang="es-CL"/>
           </a:p>
@@ -2931,7 +2933,7 @@
           <a:p>
             <a:fld id="{E706091B-B961-41D1-B651-2EF0CEBDFC9C}" type="datetimeFigureOut">
               <a:rPr lang="es-CL" smtClean="0"/>
-              <a:t>10-06-2022</a:t>
+              <a:t>11-06-2022</a:t>
             </a:fld>
             <a:endParaRPr lang="es-CL"/>
           </a:p>
@@ -4714,7 +4716,7 @@
         </p:nvSpPr>
         <p:spPr>
           <a:xfrm>
-            <a:off x="6487662" y="1123837"/>
+            <a:off x="6727055" y="1123837"/>
             <a:ext cx="5007877" cy="4601183"/>
           </a:xfrm>
           <a:prstGeom prst="rect">
@@ -4974,51 +4976,26 @@
                 <a:latin typeface="Arial" panose="020B0604020202020204" pitchFamily="34" charset="0"/>
                 <a:cs typeface="Arial" panose="020B0604020202020204" pitchFamily="34" charset="0"/>
               </a:rPr>
-              <a:t>El dispositivo contara con un pulsador, el cual al accionarse un numero determinado de veces enviara una señal de alerta al servidor de la empresa y a los dispositivos móviles vinculados a esta.</a:t>
-            </a:r>
-          </a:p>
-        </p:txBody>
-      </p:sp>
-      <p:pic>
-        <p:nvPicPr>
-          <p:cNvPr id="8" name="Imagen 7">
-            <a:extLst>
-              <a:ext uri="{FF2B5EF4-FFF2-40B4-BE49-F238E27FC236}">
-                <a16:creationId xmlns:a16="http://schemas.microsoft.com/office/drawing/2014/main" id="{0AE31659-18DD-49F6-B261-75B175925F73}"/>
-              </a:ext>
-            </a:extLst>
-          </p:cNvPr>
-          <p:cNvPicPr>
-            <a:picLocks noChangeAspect="1"/>
-          </p:cNvPicPr>
-          <p:nvPr/>
-        </p:nvPicPr>
-        <p:blipFill>
-          <a:blip r:embed="rId2">
-            <a:extLst>
-              <a:ext uri="{28A0092B-C50C-407E-A947-70E740481C1C}">
-                <a14:useLocalDpi xmlns:a14="http://schemas.microsoft.com/office/drawing/2010/main" val="0"/>
-              </a:ext>
-            </a:extLst>
-          </a:blip>
-          <a:stretch>
-            <a:fillRect/>
-          </a:stretch>
-        </p:blipFill>
-        <p:spPr>
-          <a:xfrm>
-            <a:off x="3789029" y="1964292"/>
-            <a:ext cx="2920271" cy="2920271"/>
-          </a:xfrm>
-          <a:prstGeom prst="rect">
-            <a:avLst/>
-          </a:prstGeom>
-        </p:spPr>
-      </p:pic>
+              <a:t>La obtención del producto tendrá derecho a una cuenta personal en nuestra web y </a:t>
+            </a:r>
+            <a:r>
+              <a:rPr lang="es-ES">
+                <a:latin typeface="Arial" panose="020B0604020202020204" pitchFamily="34" charset="0"/>
+                <a:cs typeface="Arial" panose="020B0604020202020204" pitchFamily="34" charset="0"/>
+              </a:rPr>
+              <a:t>aplicación móvil </a:t>
+            </a:r>
+            <a:endParaRPr lang="es-ES" dirty="0">
+              <a:latin typeface="Arial" panose="020B0604020202020204" pitchFamily="34" charset="0"/>
+              <a:cs typeface="Arial" panose="020B0604020202020204" pitchFamily="34" charset="0"/>
+            </a:endParaRPr>
+          </a:p>
+        </p:txBody>
+      </p:sp>
     </p:spTree>
     <p:extLst>
       <p:ext uri="{BB962C8B-B14F-4D97-AF65-F5344CB8AC3E}">
-        <p14:creationId xmlns:p14="http://schemas.microsoft.com/office/powerpoint/2010/main" val="2926045749"/>
+        <p14:creationId xmlns:p14="http://schemas.microsoft.com/office/powerpoint/2010/main" val="3481220610"/>
       </p:ext>
     </p:extLst>
   </p:cSld>
@@ -5090,7 +5067,7 @@
         </p:nvSpPr>
         <p:spPr>
           <a:xfrm>
-            <a:off x="3300275" y="1123837"/>
+            <a:off x="3131903" y="1123837"/>
             <a:ext cx="5007877" cy="4601183"/>
           </a:xfrm>
           <a:prstGeom prst="rect">
@@ -5350,26 +5327,24 @@
                 <a:latin typeface="Arial" panose="020B0604020202020204" pitchFamily="34" charset="0"/>
                 <a:cs typeface="Arial" panose="020B0604020202020204" pitchFamily="34" charset="0"/>
               </a:rPr>
-              <a:t>En esta fase, interpretamos nuestras ideas seleccionadas en un dispositivo oculto en el interior de un accesorio, protegiendo de esa forma la privacidad e integridad de nuestro cliente.</a:t>
+              <a:t>También contara con un pulsador, el cual al accionarse un numero determinado de veces enviara una señal de alerta al servidor de la empresa y a los dispositivos móviles vinculados a esta.</a:t>
             </a:r>
           </a:p>
         </p:txBody>
       </p:sp>
       <p:pic>
         <p:nvPicPr>
-          <p:cNvPr id="8" name="Marcador de contenido 7">
+          <p:cNvPr id="8" name="Imagen 7">
             <a:extLst>
               <a:ext uri="{FF2B5EF4-FFF2-40B4-BE49-F238E27FC236}">
-                <a16:creationId xmlns:a16="http://schemas.microsoft.com/office/drawing/2014/main" id="{72C61C24-9C47-43C3-B002-5B4AFDE5C24D}"/>
+                <a16:creationId xmlns:a16="http://schemas.microsoft.com/office/drawing/2014/main" id="{0AE31659-18DD-49F6-B261-75B175925F73}"/>
               </a:ext>
             </a:extLst>
           </p:cNvPr>
           <p:cNvPicPr>
-            <a:picLocks noGrp="1" noChangeAspect="1"/>
+            <a:picLocks noChangeAspect="1"/>
           </p:cNvPicPr>
-          <p:nvPr>
-            <p:ph idx="1"/>
-          </p:nvPr>
+          <p:nvPr/>
         </p:nvPicPr>
         <p:blipFill>
           <a:blip r:embed="rId2">
@@ -5385,7 +5360,385 @@
         </p:blipFill>
         <p:spPr>
           <a:xfrm>
-            <a:off x="8501146" y="1691084"/>
+            <a:off x="8707258" y="1964292"/>
+            <a:ext cx="2920271" cy="2920271"/>
+          </a:xfrm>
+          <a:prstGeom prst="rect">
+            <a:avLst/>
+          </a:prstGeom>
+        </p:spPr>
+      </p:pic>
+    </p:spTree>
+    <p:extLst>
+      <p:ext uri="{BB962C8B-B14F-4D97-AF65-F5344CB8AC3E}">
+        <p14:creationId xmlns:p14="http://schemas.microsoft.com/office/powerpoint/2010/main" val="2926045749"/>
+      </p:ext>
+    </p:extLst>
+  </p:cSld>
+  <p:clrMapOvr>
+    <a:masterClrMapping/>
+  </p:clrMapOvr>
+</p:sld>
+</file>
+
+<file path=ppt/slides/slide17.xml><?xml version="1.0" encoding="utf-8"?>
+<p:sld xmlns:a="http://schemas.openxmlformats.org/drawingml/2006/main" xmlns:r="http://schemas.openxmlformats.org/officeDocument/2006/relationships" xmlns:p="http://schemas.openxmlformats.org/presentationml/2006/main">
+  <p:cSld>
+    <p:spTree>
+      <p:nvGrpSpPr>
+        <p:cNvPr id="1" name=""/>
+        <p:cNvGrpSpPr/>
+        <p:nvPr/>
+      </p:nvGrpSpPr>
+      <p:grpSpPr>
+        <a:xfrm>
+          <a:off x="0" y="0"/>
+          <a:ext cx="0" cy="0"/>
+          <a:chOff x="0" y="0"/>
+          <a:chExt cx="0" cy="0"/>
+        </a:xfrm>
+      </p:grpSpPr>
+      <p:sp>
+        <p:nvSpPr>
+          <p:cNvPr id="2" name="Título 1">
+            <a:extLst>
+              <a:ext uri="{FF2B5EF4-FFF2-40B4-BE49-F238E27FC236}">
+                <a16:creationId xmlns:a16="http://schemas.microsoft.com/office/drawing/2014/main" id="{502E8DB7-3385-4846-94F1-199DD3DF05DC}"/>
+              </a:ext>
+            </a:extLst>
+          </p:cNvPr>
+          <p:cNvSpPr>
+            <a:spLocks noGrp="1"/>
+          </p:cNvSpPr>
+          <p:nvPr>
+            <p:ph type="title"/>
+          </p:nvPr>
+        </p:nvSpPr>
+        <p:spPr/>
+        <p:txBody>
+          <a:bodyPr/>
+          <a:lstStyle/>
+          <a:p>
+            <a:r>
+              <a:rPr lang="es-ES" dirty="0"/>
+              <a:t>PROTOTIPO</a:t>
+            </a:r>
+            <a:endParaRPr lang="es-CL" dirty="0"/>
+          </a:p>
+        </p:txBody>
+      </p:sp>
+      <p:sp>
+        <p:nvSpPr>
+          <p:cNvPr id="6" name="Marcador de contenido 2">
+            <a:extLst>
+              <a:ext uri="{FF2B5EF4-FFF2-40B4-BE49-F238E27FC236}">
+                <a16:creationId xmlns:a16="http://schemas.microsoft.com/office/drawing/2014/main" id="{0E59518E-A29C-4614-99E5-E3CABB08B84A}"/>
+              </a:ext>
+            </a:extLst>
+          </p:cNvPr>
+          <p:cNvSpPr txBox="1">
+            <a:spLocks/>
+          </p:cNvSpPr>
+          <p:nvPr/>
+        </p:nvSpPr>
+        <p:spPr>
+          <a:xfrm>
+            <a:off x="6602027" y="1228170"/>
+            <a:ext cx="5007877" cy="4601183"/>
+          </a:xfrm>
+          <a:prstGeom prst="rect">
+            <a:avLst/>
+          </a:prstGeom>
+        </p:spPr>
+        <p:txBody>
+          <a:bodyPr vert="horz" lIns="91440" tIns="45720" rIns="91440" bIns="45720" rtlCol="0" anchor="ctr">
+            <a:normAutofit/>
+          </a:bodyPr>
+          <a:lstStyle>
+            <a:lvl1pPr marL="182880" indent="-182880" algn="l" defTabSz="914400" rtl="0" eaLnBrk="1" latinLnBrk="0" hangingPunct="1">
+              <a:lnSpc>
+                <a:spcPct val="90000"/>
+              </a:lnSpc>
+              <a:spcBef>
+                <a:spcPts val="1200"/>
+              </a:spcBef>
+              <a:buClr>
+                <a:schemeClr val="accent1"/>
+              </a:buClr>
+              <a:buFont typeface="Wingdings 2" pitchFamily="18" charset="2"/>
+              <a:buChar char=""/>
+              <a:defRPr sz="2000" kern="1200">
+                <a:solidFill>
+                  <a:schemeClr val="tx1">
+                    <a:lumMod val="65000"/>
+                    <a:lumOff val="35000"/>
+                  </a:schemeClr>
+                </a:solidFill>
+                <a:latin typeface="+mn-lt"/>
+                <a:ea typeface="+mn-ea"/>
+                <a:cs typeface="+mn-cs"/>
+              </a:defRPr>
+            </a:lvl1pPr>
+            <a:lvl2pPr marL="685800" indent="-182880" algn="l" defTabSz="914400" rtl="0" eaLnBrk="1" latinLnBrk="0" hangingPunct="1">
+              <a:lnSpc>
+                <a:spcPct val="90000"/>
+              </a:lnSpc>
+              <a:spcBef>
+                <a:spcPts val="250"/>
+              </a:spcBef>
+              <a:spcAft>
+                <a:spcPts val="250"/>
+              </a:spcAft>
+              <a:buClr>
+                <a:schemeClr val="accent1"/>
+              </a:buClr>
+              <a:buFont typeface="Wingdings 2" pitchFamily="18" charset="2"/>
+              <a:buChar char=""/>
+              <a:defRPr sz="1800" kern="1200">
+                <a:solidFill>
+                  <a:schemeClr val="tx1">
+                    <a:lumMod val="65000"/>
+                    <a:lumOff val="35000"/>
+                  </a:schemeClr>
+                </a:solidFill>
+                <a:latin typeface="+mn-lt"/>
+                <a:ea typeface="+mn-ea"/>
+                <a:cs typeface="+mn-cs"/>
+              </a:defRPr>
+            </a:lvl2pPr>
+            <a:lvl3pPr marL="1143000" indent="-182880" algn="l" defTabSz="914400" rtl="0" eaLnBrk="1" latinLnBrk="0" hangingPunct="1">
+              <a:lnSpc>
+                <a:spcPct val="90000"/>
+              </a:lnSpc>
+              <a:spcBef>
+                <a:spcPts val="250"/>
+              </a:spcBef>
+              <a:spcAft>
+                <a:spcPts val="250"/>
+              </a:spcAft>
+              <a:buClr>
+                <a:schemeClr val="accent1"/>
+              </a:buClr>
+              <a:buFont typeface="Wingdings 2" pitchFamily="18" charset="2"/>
+              <a:buChar char=""/>
+              <a:defRPr sz="1600" kern="1200">
+                <a:solidFill>
+                  <a:schemeClr val="tx1">
+                    <a:lumMod val="65000"/>
+                    <a:lumOff val="35000"/>
+                  </a:schemeClr>
+                </a:solidFill>
+                <a:latin typeface="+mn-lt"/>
+                <a:ea typeface="+mn-ea"/>
+                <a:cs typeface="+mn-cs"/>
+              </a:defRPr>
+            </a:lvl3pPr>
+            <a:lvl4pPr marL="1600200" indent="-182880" algn="l" defTabSz="914400" rtl="0" eaLnBrk="1" latinLnBrk="0" hangingPunct="1">
+              <a:lnSpc>
+                <a:spcPct val="90000"/>
+              </a:lnSpc>
+              <a:spcBef>
+                <a:spcPts val="250"/>
+              </a:spcBef>
+              <a:spcAft>
+                <a:spcPts val="250"/>
+              </a:spcAft>
+              <a:buClr>
+                <a:schemeClr val="accent1"/>
+              </a:buClr>
+              <a:buFont typeface="Wingdings 2" pitchFamily="18" charset="2"/>
+              <a:buChar char=""/>
+              <a:defRPr sz="1400" kern="1200">
+                <a:solidFill>
+                  <a:schemeClr val="tx1">
+                    <a:lumMod val="65000"/>
+                    <a:lumOff val="35000"/>
+                  </a:schemeClr>
+                </a:solidFill>
+                <a:latin typeface="+mn-lt"/>
+                <a:ea typeface="+mn-ea"/>
+                <a:cs typeface="+mn-cs"/>
+              </a:defRPr>
+            </a:lvl4pPr>
+            <a:lvl5pPr marL="2057400" indent="-182880" algn="l" defTabSz="914400" rtl="0" eaLnBrk="1" latinLnBrk="0" hangingPunct="1">
+              <a:lnSpc>
+                <a:spcPct val="90000"/>
+              </a:lnSpc>
+              <a:spcBef>
+                <a:spcPts val="250"/>
+              </a:spcBef>
+              <a:spcAft>
+                <a:spcPts val="250"/>
+              </a:spcAft>
+              <a:buClr>
+                <a:schemeClr val="accent1"/>
+              </a:buClr>
+              <a:buFont typeface="Wingdings 2" pitchFamily="18" charset="2"/>
+              <a:buChar char=""/>
+              <a:defRPr sz="1400" kern="1200">
+                <a:solidFill>
+                  <a:schemeClr val="tx1">
+                    <a:lumMod val="65000"/>
+                    <a:lumOff val="35000"/>
+                  </a:schemeClr>
+                </a:solidFill>
+                <a:latin typeface="+mn-lt"/>
+                <a:ea typeface="+mn-ea"/>
+                <a:cs typeface="+mn-cs"/>
+              </a:defRPr>
+            </a:lvl5pPr>
+            <a:lvl6pPr marL="2514600" indent="-228600" algn="l" defTabSz="914400" rtl="0" eaLnBrk="1" latinLnBrk="0" hangingPunct="1">
+              <a:lnSpc>
+                <a:spcPct val="90000"/>
+              </a:lnSpc>
+              <a:spcBef>
+                <a:spcPts val="250"/>
+              </a:spcBef>
+              <a:spcAft>
+                <a:spcPts val="250"/>
+              </a:spcAft>
+              <a:buClr>
+                <a:schemeClr val="accent1"/>
+              </a:buClr>
+              <a:buFont typeface="Wingdings 2" pitchFamily="18" charset="2"/>
+              <a:buChar char=""/>
+              <a:defRPr sz="1400" kern="1200">
+                <a:solidFill>
+                  <a:schemeClr val="tx1">
+                    <a:lumMod val="65000"/>
+                    <a:lumOff val="35000"/>
+                  </a:schemeClr>
+                </a:solidFill>
+                <a:latin typeface="+mn-lt"/>
+                <a:ea typeface="+mn-ea"/>
+                <a:cs typeface="+mn-cs"/>
+              </a:defRPr>
+            </a:lvl6pPr>
+            <a:lvl7pPr marL="2971800" indent="-228600" algn="l" defTabSz="914400" rtl="0" eaLnBrk="1" latinLnBrk="0" hangingPunct="1">
+              <a:lnSpc>
+                <a:spcPct val="90000"/>
+              </a:lnSpc>
+              <a:spcBef>
+                <a:spcPts val="250"/>
+              </a:spcBef>
+              <a:spcAft>
+                <a:spcPts val="250"/>
+              </a:spcAft>
+              <a:buClr>
+                <a:schemeClr val="accent1"/>
+              </a:buClr>
+              <a:buFont typeface="Wingdings 2" pitchFamily="18" charset="2"/>
+              <a:buChar char=""/>
+              <a:defRPr sz="1400" kern="1200">
+                <a:solidFill>
+                  <a:schemeClr val="tx1">
+                    <a:lumMod val="65000"/>
+                    <a:lumOff val="35000"/>
+                  </a:schemeClr>
+                </a:solidFill>
+                <a:latin typeface="+mn-lt"/>
+                <a:ea typeface="+mn-ea"/>
+                <a:cs typeface="+mn-cs"/>
+              </a:defRPr>
+            </a:lvl7pPr>
+            <a:lvl8pPr marL="3429000" indent="-228600" algn="l" defTabSz="914400" rtl="0" eaLnBrk="1" latinLnBrk="0" hangingPunct="1">
+              <a:lnSpc>
+                <a:spcPct val="90000"/>
+              </a:lnSpc>
+              <a:spcBef>
+                <a:spcPts val="250"/>
+              </a:spcBef>
+              <a:spcAft>
+                <a:spcPts val="250"/>
+              </a:spcAft>
+              <a:buClr>
+                <a:schemeClr val="accent1"/>
+              </a:buClr>
+              <a:buFont typeface="Wingdings 2" pitchFamily="18" charset="2"/>
+              <a:buChar char=""/>
+              <a:defRPr sz="1400" kern="1200">
+                <a:solidFill>
+                  <a:schemeClr val="tx1">
+                    <a:lumMod val="65000"/>
+                    <a:lumOff val="35000"/>
+                  </a:schemeClr>
+                </a:solidFill>
+                <a:latin typeface="+mn-lt"/>
+                <a:ea typeface="+mn-ea"/>
+                <a:cs typeface="+mn-cs"/>
+              </a:defRPr>
+            </a:lvl8pPr>
+            <a:lvl9pPr marL="3886200" indent="-228600" algn="l" defTabSz="914400" rtl="0" eaLnBrk="1" latinLnBrk="0" hangingPunct="1">
+              <a:lnSpc>
+                <a:spcPct val="90000"/>
+              </a:lnSpc>
+              <a:spcBef>
+                <a:spcPts val="250"/>
+              </a:spcBef>
+              <a:spcAft>
+                <a:spcPts val="250"/>
+              </a:spcAft>
+              <a:buClr>
+                <a:schemeClr val="accent1"/>
+              </a:buClr>
+              <a:buFont typeface="Wingdings 2" pitchFamily="18" charset="2"/>
+              <a:buChar char=""/>
+              <a:defRPr sz="1400" kern="1200">
+                <a:solidFill>
+                  <a:schemeClr val="tx1">
+                    <a:lumMod val="65000"/>
+                    <a:lumOff val="35000"/>
+                  </a:schemeClr>
+                </a:solidFill>
+                <a:latin typeface="+mn-lt"/>
+                <a:ea typeface="+mn-ea"/>
+                <a:cs typeface="+mn-cs"/>
+              </a:defRPr>
+            </a:lvl9pPr>
+          </a:lstStyle>
+          <a:p>
+            <a:pPr marL="742950" lvl="1" indent="-285750" algn="just"/>
+            <a:r>
+              <a:rPr lang="es-ES" dirty="0">
+                <a:latin typeface="Arial" panose="020B0604020202020204" pitchFamily="34" charset="0"/>
+                <a:cs typeface="Arial" panose="020B0604020202020204" pitchFamily="34" charset="0"/>
+              </a:rPr>
+              <a:t>El dispositivo dispondrá de varios formatos tales como; pulsera, collar y tobillera. Será personalizable para el cliente en aspectos de color, forma y tamaño</a:t>
+            </a:r>
+          </a:p>
+        </p:txBody>
+      </p:sp>
+      <p:pic>
+        <p:nvPicPr>
+          <p:cNvPr id="8" name="Marcador de contenido 7">
+            <a:extLst>
+              <a:ext uri="{FF2B5EF4-FFF2-40B4-BE49-F238E27FC236}">
+                <a16:creationId xmlns:a16="http://schemas.microsoft.com/office/drawing/2014/main" id="{72C61C24-9C47-43C3-B002-5B4AFDE5C24D}"/>
+              </a:ext>
+            </a:extLst>
+          </p:cNvPr>
+          <p:cNvPicPr>
+            <a:picLocks noGrp="1" noChangeAspect="1"/>
+          </p:cNvPicPr>
+          <p:nvPr>
+            <p:ph idx="1"/>
+          </p:nvPr>
+        </p:nvPicPr>
+        <p:blipFill>
+          <a:blip r:embed="rId2">
+            <a:extLst>
+              <a:ext uri="{28A0092B-C50C-407E-A947-70E740481C1C}">
+                <a14:useLocalDpi xmlns:a14="http://schemas.microsoft.com/office/drawing/2010/main" val="0"/>
+              </a:ext>
+            </a:extLst>
+          </a:blip>
+          <a:stretch>
+            <a:fillRect/>
+          </a:stretch>
+        </p:blipFill>
+        <p:spPr>
+          <a:xfrm>
+            <a:off x="3516925" y="1881877"/>
             <a:ext cx="3085102" cy="3085102"/>
           </a:xfrm>
         </p:spPr>
@@ -5403,7 +5756,102 @@
 </p:sld>
 </file>
 
-<file path=ppt/slides/slide17.xml><?xml version="1.0" encoding="utf-8"?>
+<file path=ppt/slides/slide18.xml><?xml version="1.0" encoding="utf-8"?>
+<p:sld xmlns:a="http://schemas.openxmlformats.org/drawingml/2006/main" xmlns:r="http://schemas.openxmlformats.org/officeDocument/2006/relationships" xmlns:p="http://schemas.openxmlformats.org/presentationml/2006/main">
+  <p:cSld>
+    <p:spTree>
+      <p:nvGrpSpPr>
+        <p:cNvPr id="1" name=""/>
+        <p:cNvGrpSpPr/>
+        <p:nvPr/>
+      </p:nvGrpSpPr>
+      <p:grpSpPr>
+        <a:xfrm>
+          <a:off x="0" y="0"/>
+          <a:ext cx="0" cy="0"/>
+          <a:chOff x="0" y="0"/>
+          <a:chExt cx="0" cy="0"/>
+        </a:xfrm>
+      </p:grpSpPr>
+      <p:sp>
+        <p:nvSpPr>
+          <p:cNvPr id="2" name="Título 1">
+            <a:extLst>
+              <a:ext uri="{FF2B5EF4-FFF2-40B4-BE49-F238E27FC236}">
+                <a16:creationId xmlns:a16="http://schemas.microsoft.com/office/drawing/2014/main" id="{502E8DB7-3385-4846-94F1-199DD3DF05DC}"/>
+              </a:ext>
+            </a:extLst>
+          </p:cNvPr>
+          <p:cNvSpPr>
+            <a:spLocks noGrp="1"/>
+          </p:cNvSpPr>
+          <p:nvPr>
+            <p:ph type="title"/>
+          </p:nvPr>
+        </p:nvSpPr>
+        <p:spPr/>
+        <p:txBody>
+          <a:bodyPr/>
+          <a:lstStyle/>
+          <a:p>
+            <a:r>
+              <a:rPr lang="es-ES" dirty="0"/>
+              <a:t>PROTOTIPO</a:t>
+            </a:r>
+            <a:endParaRPr lang="es-CL" dirty="0"/>
+          </a:p>
+        </p:txBody>
+      </p:sp>
+      <p:pic>
+        <p:nvPicPr>
+          <p:cNvPr id="7" name="Imagen 6">
+            <a:extLst>
+              <a:ext uri="{FF2B5EF4-FFF2-40B4-BE49-F238E27FC236}">
+                <a16:creationId xmlns:a16="http://schemas.microsoft.com/office/drawing/2014/main" id="{850F41BF-7013-4C70-BE6D-C455BCD2A2D5}"/>
+              </a:ext>
+            </a:extLst>
+          </p:cNvPr>
+          <p:cNvPicPr>
+            <a:picLocks noChangeAspect="1"/>
+          </p:cNvPicPr>
+          <p:nvPr/>
+        </p:nvPicPr>
+        <p:blipFill>
+          <a:blip r:embed="rId2">
+            <a:extLst>
+              <a:ext uri="{28A0092B-C50C-407E-A947-70E740481C1C}">
+                <a14:useLocalDpi xmlns:a14="http://schemas.microsoft.com/office/drawing/2010/main" val="0"/>
+              </a:ext>
+            </a:extLst>
+          </a:blip>
+          <a:stretch>
+            <a:fillRect/>
+          </a:stretch>
+        </p:blipFill>
+        <p:spPr>
+          <a:xfrm>
+            <a:off x="4850906" y="732274"/>
+            <a:ext cx="5384307" cy="5384307"/>
+          </a:xfrm>
+          <a:prstGeom prst="rect">
+            <a:avLst/>
+          </a:prstGeom>
+        </p:spPr>
+      </p:pic>
+    </p:spTree>
+    <p:extLst>
+      <p:ext uri="{BB962C8B-B14F-4D97-AF65-F5344CB8AC3E}">
+        <p14:creationId xmlns:p14="http://schemas.microsoft.com/office/powerpoint/2010/main" val="2658132389"/>
+      </p:ext>
+    </p:extLst>
+  </p:cSld>
+  <p:clrMapOvr>
+    <a:masterClrMapping/>
+  </p:clrMapOvr>
+</p:sld>
+</file>
+
+<file path=ppt/slides/slide19.xml><?xml version="1.0" encoding="utf-8"?>
 <p:sld xmlns:a="http://schemas.openxmlformats.org/drawingml/2006/main" xmlns:r="http://schemas.openxmlformats.org/officeDocument/2006/relationships" xmlns:p="http://schemas.openxmlformats.org/presentationml/2006/main">
   <p:cSld>
     <p:spTree>

--- a/Presentacion/Design_Thinking.pptx
+++ b/Presentacion/Design_Thinking.pptx
@@ -4716,7 +4716,7 @@
         </p:nvSpPr>
         <p:spPr>
           <a:xfrm>
-            <a:off x="6727055" y="1123837"/>
+            <a:off x="6487662" y="1111332"/>
             <a:ext cx="5007877" cy="4601183"/>
           </a:xfrm>
           <a:prstGeom prst="rect">
@@ -4976,22 +4976,46 @@
                 <a:latin typeface="Arial" panose="020B0604020202020204" pitchFamily="34" charset="0"/>
                 <a:cs typeface="Arial" panose="020B0604020202020204" pitchFamily="34" charset="0"/>
               </a:rPr>
-              <a:t>La obtención del producto tendrá derecho a una cuenta personal en nuestra web y </a:t>
-            </a:r>
-            <a:r>
-              <a:rPr lang="es-ES">
-                <a:latin typeface="Arial" panose="020B0604020202020204" pitchFamily="34" charset="0"/>
-                <a:cs typeface="Arial" panose="020B0604020202020204" pitchFamily="34" charset="0"/>
-              </a:rPr>
-              <a:t>aplicación móvil </a:t>
-            </a:r>
-            <a:endParaRPr lang="es-ES" dirty="0">
-              <a:latin typeface="Arial" panose="020B0604020202020204" pitchFamily="34" charset="0"/>
-              <a:cs typeface="Arial" panose="020B0604020202020204" pitchFamily="34" charset="0"/>
-            </a:endParaRPr>
-          </a:p>
-        </p:txBody>
-      </p:sp>
+              <a:t>La obtención del producto tendrá derecho a una cuenta personal en nuestra web y aplicación móvil, la cual tendrá opciones como información de apoyo, denuncias, gestión de cuentas, entre otras.</a:t>
+            </a:r>
+          </a:p>
+        </p:txBody>
+      </p:sp>
+      <p:pic>
+        <p:nvPicPr>
+          <p:cNvPr id="4" name="Imagen 3">
+            <a:extLst>
+              <a:ext uri="{FF2B5EF4-FFF2-40B4-BE49-F238E27FC236}">
+                <a16:creationId xmlns:a16="http://schemas.microsoft.com/office/drawing/2014/main" id="{6D6C2C79-ED2A-4AB8-A2A9-5FA1EE05FF71}"/>
+              </a:ext>
+            </a:extLst>
+          </p:cNvPr>
+          <p:cNvPicPr>
+            <a:picLocks noChangeAspect="1"/>
+          </p:cNvPicPr>
+          <p:nvPr/>
+        </p:nvPicPr>
+        <p:blipFill rotWithShape="1">
+          <a:blip r:embed="rId2">
+            <a:extLst>
+              <a:ext uri="{28A0092B-C50C-407E-A947-70E740481C1C}">
+                <a14:useLocalDpi xmlns:a14="http://schemas.microsoft.com/office/drawing/2010/main" val="0"/>
+              </a:ext>
+            </a:extLst>
+          </a:blip>
+          <a:srcRect t="7105" b="22378"/>
+          <a:stretch/>
+        </p:blipFill>
+        <p:spPr>
+          <a:xfrm>
+            <a:off x="3094035" y="1249399"/>
+            <a:ext cx="4360823" cy="4350058"/>
+          </a:xfrm>
+          <a:prstGeom prst="rect">
+            <a:avLst/>
+          </a:prstGeom>
+        </p:spPr>
+      </p:pic>
     </p:spTree>
     <p:extLst>
       <p:ext uri="{BB962C8B-B14F-4D97-AF65-F5344CB8AC3E}">
@@ -5443,7 +5467,7 @@
         </p:nvSpPr>
         <p:spPr>
           <a:xfrm>
-            <a:off x="6602027" y="1228170"/>
+            <a:off x="6487662" y="1219293"/>
             <a:ext cx="5007877" cy="4601183"/>
           </a:xfrm>
           <a:prstGeom prst="rect">

--- a/Presentacion/Design_Thinking.pptx
+++ b/Presentacion/Design_Thinking.pptx
@@ -3537,7 +3537,7 @@
           <a:p>
             <a:r>
               <a:rPr lang="es-ES" dirty="0"/>
-              <a:t>DEFINICION</a:t>
+              <a:t>DEFINICIÓN</a:t>
             </a:r>
             <a:endParaRPr lang="es-CL" dirty="0"/>
           </a:p>
@@ -3627,11 +3627,8 @@
                 <a:latin typeface="Arial" panose="020B0604020202020204" pitchFamily="34" charset="0"/>
                 <a:cs typeface="Arial" panose="020B0604020202020204" pitchFamily="34" charset="0"/>
               </a:rPr>
-              <a:t>El objetivo de nuestro proyecto será defender a nuestro cliente ante cualquier tipo de abuso físico y/o psicológico, protegiendo la privacidad e integridad del mismo.</a:t>
-            </a:r>
-          </a:p>
-          <a:p>
-            <a:pPr algn="just"/>
+              <a:t>El objetivo de nuestro proyecto será defender a nuestro cliente ante cualquier tipo de abuso físico y/o psicológico, protegiendo la privacidad e integridad del mismo. </a:t>
+            </a:r>
             <a:endParaRPr lang="es-CL" sz="1800" dirty="0">
               <a:latin typeface="Arial" panose="020B0604020202020204" pitchFamily="34" charset="0"/>
               <a:cs typeface="Arial" panose="020B0604020202020204" pitchFamily="34" charset="0"/>
@@ -3692,7 +3689,7 @@
           <a:p>
             <a:r>
               <a:rPr lang="es-ES" dirty="0"/>
-              <a:t>DEFINICION</a:t>
+              <a:t>DEFINICIÓN</a:t>
             </a:r>
             <a:endParaRPr lang="es-CL" dirty="0"/>
           </a:p>
@@ -3796,7 +3793,7 @@
                 <a:latin typeface="Arial" panose="020B0604020202020204" pitchFamily="34" charset="0"/>
                 <a:cs typeface="Arial" panose="020B0604020202020204" pitchFamily="34" charset="0"/>
               </a:rPr>
-              <a:t>APP ELLES: Nulo Costo – Calidad Alta – Accesible </a:t>
+              <a:t>APP ELLES: Nulo Costo – Calidad Alta – Accesible</a:t>
             </a:r>
           </a:p>
         </p:txBody>
@@ -3942,7 +3939,7 @@
           <a:p>
             <a:r>
               <a:rPr lang="es-ES" dirty="0"/>
-              <a:t>DEFINICION</a:t>
+              <a:t>DEFINICIÓN</a:t>
             </a:r>
             <a:endParaRPr lang="es-CL" dirty="0"/>
           </a:p>
@@ -4976,7 +4973,7 @@
                 <a:latin typeface="Arial" panose="020B0604020202020204" pitchFamily="34" charset="0"/>
                 <a:cs typeface="Arial" panose="020B0604020202020204" pitchFamily="34" charset="0"/>
               </a:rPr>
-              <a:t>La obtención del producto tendrá derecho a una cuenta personal en nuestra web y aplicación móvil, la cual tendrá opciones como información de apoyo, denuncias, gestión de cuentas, entre otras.</a:t>
+              <a:t>La obtención del producto tendrá derecho a una cuenta personal en nuestra web y aplicación móvil, la cual tendrá opciones como información de apoyo, denuncias, gestión de cuentas, entre otras. </a:t>
             </a:r>
           </a:p>
         </p:txBody>
@@ -5999,7 +5996,7 @@
           <a:p>
             <a:r>
               <a:rPr lang="es-ES" dirty="0"/>
-              <a:t>EMPATIA</a:t>
+              <a:t>EMPATÍA</a:t>
             </a:r>
             <a:endParaRPr lang="es-CL" dirty="0"/>
           </a:p>
@@ -6137,7 +6134,7 @@
           <a:p>
             <a:r>
               <a:rPr lang="es-ES" dirty="0"/>
-              <a:t>EMPATIA</a:t>
+              <a:t>EMPATÍA</a:t>
             </a:r>
             <a:endParaRPr lang="es-CL" dirty="0"/>
           </a:p>
@@ -6284,7 +6281,7 @@
           <a:p>
             <a:r>
               <a:rPr lang="es-ES" dirty="0"/>
-              <a:t>EMPATIA</a:t>
+              <a:t>EMPATÍA</a:t>
             </a:r>
             <a:endParaRPr lang="es-CL" dirty="0"/>
           </a:p>
@@ -6418,7 +6415,7 @@
           <a:p>
             <a:r>
               <a:rPr lang="es-ES" dirty="0"/>
-              <a:t>EMPATIA</a:t>
+              <a:t>EMPATÍA</a:t>
             </a:r>
             <a:endParaRPr lang="es-CL" dirty="0"/>
           </a:p>
@@ -6552,7 +6549,7 @@
           <a:p>
             <a:r>
               <a:rPr lang="es-ES" dirty="0"/>
-              <a:t>EMPATIA</a:t>
+              <a:t>EMPATÍA</a:t>
             </a:r>
             <a:endParaRPr lang="es-CL" dirty="0"/>
           </a:p>
@@ -6686,7 +6683,7 @@
           <a:p>
             <a:r>
               <a:rPr lang="es-ES" dirty="0"/>
-              <a:t>EMPATIA</a:t>
+              <a:t>EMPATÍA</a:t>
             </a:r>
             <a:endParaRPr lang="es-CL" dirty="0"/>
           </a:p>
@@ -6775,7 +6772,7 @@
           <a:p>
             <a:r>
               <a:rPr lang="es-ES" dirty="0"/>
-              <a:t>EMPATIA</a:t>
+              <a:t>EMPATÍA</a:t>
             </a:r>
             <a:endParaRPr lang="es-CL" dirty="0"/>
           </a:p>
@@ -6864,7 +6861,7 @@
           <a:p>
             <a:r>
               <a:rPr lang="es-ES" dirty="0"/>
-              <a:t>EMPATIA</a:t>
+              <a:t>EMPATÍA</a:t>
             </a:r>
             <a:endParaRPr lang="es-CL" dirty="0"/>
           </a:p>
